--- a/zzz MEDIA/Intermediate R.pptx
+++ b/zzz MEDIA/Intermediate R.pptx
@@ -5,7 +5,7 @@
     <p:sldMasterId id="2147483663" r:id="rId1"/>
   </p:sldMasterIdLst>
   <p:notesMasterIdLst>
-    <p:notesMasterId r:id="rId11"/>
+    <p:notesMasterId r:id="rId17"/>
   </p:notesMasterIdLst>
   <p:sldIdLst>
     <p:sldId id="256" r:id="rId2"/>
@@ -13,10 +13,16 @@
     <p:sldId id="260" r:id="rId4"/>
     <p:sldId id="289" r:id="rId5"/>
     <p:sldId id="290" r:id="rId6"/>
-    <p:sldId id="283" r:id="rId7"/>
-    <p:sldId id="284" r:id="rId8"/>
-    <p:sldId id="288" r:id="rId9"/>
-    <p:sldId id="280" r:id="rId10"/>
+    <p:sldId id="291" r:id="rId7"/>
+    <p:sldId id="292" r:id="rId8"/>
+    <p:sldId id="293" r:id="rId9"/>
+    <p:sldId id="294" r:id="rId10"/>
+    <p:sldId id="295" r:id="rId11"/>
+    <p:sldId id="297" r:id="rId12"/>
+    <p:sldId id="283" r:id="rId13"/>
+    <p:sldId id="284" r:id="rId14"/>
+    <p:sldId id="296" r:id="rId15"/>
+    <p:sldId id="280" r:id="rId16"/>
   </p:sldIdLst>
   <p:sldSz cx="9144000" cy="6858000" type="screen4x3"/>
   <p:notesSz cx="6950075" cy="9236075"/>
@@ -1550,6 +1556,531 @@
 </p:notes>
 </file>
 
+<file path=ppt/notesSlides/notesSlide10.xml><?xml version="1.0" encoding="utf-8"?>
+<p:notes xmlns:a="http://schemas.openxmlformats.org/drawingml/2006/main" xmlns:r="http://schemas.openxmlformats.org/officeDocument/2006/relationships" xmlns:p="http://schemas.openxmlformats.org/presentationml/2006/main" showMasterSp="0" showMasterPhAnim="0">
+  <p:cSld>
+    <p:spTree>
+      <p:nvGrpSpPr>
+        <p:cNvPr id="1" name="Shape 91"/>
+        <p:cNvGrpSpPr/>
+        <p:nvPr/>
+      </p:nvGrpSpPr>
+      <p:grpSpPr>
+        <a:xfrm>
+          <a:off x="0" y="0"/>
+          <a:ext cx="0" cy="0"/>
+          <a:chOff x="0" y="0"/>
+          <a:chExt cx="0" cy="0"/>
+        </a:xfrm>
+      </p:grpSpPr>
+      <p:sp>
+        <p:nvSpPr>
+          <p:cNvPr id="92" name="Shape 92"/>
+          <p:cNvSpPr txBox="1"/>
+          <p:nvPr/>
+        </p:nvSpPr>
+        <p:spPr>
+          <a:xfrm>
+            <a:off x="3937000" y="8772525"/>
+            <a:ext cx="3011488" cy="461963"/>
+          </a:xfrm>
+          <a:prstGeom prst="rect">
+            <a:avLst/>
+          </a:prstGeom>
+          <a:noFill/>
+          <a:ln>
+            <a:noFill/>
+          </a:ln>
+        </p:spPr>
+        <p:txBody>
+          <a:bodyPr spcFirstLastPara="1" wrap="square" lIns="91375" tIns="45675" rIns="91375" bIns="45675" anchor="b" anchorCtr="0">
+            <a:noAutofit/>
+          </a:bodyPr>
+          <a:lstStyle/>
+          <a:p>
+            <a:pPr marL="0" marR="0" lvl="0" indent="0" algn="r" rtl="0">
+              <a:spcBef>
+                <a:spcPts val="0"/>
+              </a:spcBef>
+              <a:spcAft>
+                <a:spcPts val="0"/>
+              </a:spcAft>
+              <a:buNone/>
+            </a:pPr>
+            <a:fld id="{00000000-1234-1234-1234-123412341234}" type="slidenum">
+              <a:rPr lang="en-US" sz="1200">
+                <a:solidFill>
+                  <a:schemeClr val="dk1"/>
+                </a:solidFill>
+                <a:latin typeface="Arial"/>
+                <a:ea typeface="Arial"/>
+                <a:cs typeface="Arial"/>
+                <a:sym typeface="Arial"/>
+              </a:rPr>
+              <a:t>13</a:t>
+            </a:fld>
+            <a:endParaRPr sz="1200">
+              <a:solidFill>
+                <a:schemeClr val="dk1"/>
+              </a:solidFill>
+              <a:latin typeface="Arial"/>
+              <a:ea typeface="Arial"/>
+              <a:cs typeface="Arial"/>
+              <a:sym typeface="Arial"/>
+            </a:endParaRPr>
+          </a:p>
+        </p:txBody>
+      </p:sp>
+      <p:sp>
+        <p:nvSpPr>
+          <p:cNvPr id="93" name="Shape 93"/>
+          <p:cNvSpPr>
+            <a:spLocks noGrp="1" noRot="1" noChangeAspect="1"/>
+          </p:cNvSpPr>
+          <p:nvPr>
+            <p:ph type="sldImg" idx="2"/>
+          </p:nvPr>
+        </p:nvSpPr>
+        <p:spPr>
+          <a:xfrm>
+            <a:off x="1165225" y="692150"/>
+            <a:ext cx="4619625" cy="3463925"/>
+          </a:xfrm>
+          <a:custGeom>
+            <a:avLst/>
+            <a:gdLst/>
+            <a:ahLst/>
+            <a:cxnLst/>
+            <a:rect l="0" t="0" r="0" b="0"/>
+            <a:pathLst>
+              <a:path w="120000" h="120000" extrusionOk="0">
+                <a:moveTo>
+                  <a:pt x="0" y="0"/>
+                </a:moveTo>
+                <a:lnTo>
+                  <a:pt x="120000" y="0"/>
+                </a:lnTo>
+                <a:lnTo>
+                  <a:pt x="120000" y="120000"/>
+                </a:lnTo>
+                <a:lnTo>
+                  <a:pt x="0" y="120000"/>
+                </a:lnTo>
+                <a:close/>
+              </a:path>
+            </a:pathLst>
+          </a:custGeom>
+          <a:noFill/>
+          <a:ln>
+            <a:noFill/>
+          </a:ln>
+        </p:spPr>
+      </p:sp>
+      <p:sp>
+        <p:nvSpPr>
+          <p:cNvPr id="94" name="Shape 94"/>
+          <p:cNvSpPr txBox="1">
+            <a:spLocks noGrp="1"/>
+          </p:cNvSpPr>
+          <p:nvPr>
+            <p:ph type="body" idx="1"/>
+          </p:nvPr>
+        </p:nvSpPr>
+        <p:spPr>
+          <a:xfrm>
+            <a:off x="695325" y="4387850"/>
+            <a:ext cx="5945188" cy="4156075"/>
+          </a:xfrm>
+          <a:prstGeom prst="rect">
+            <a:avLst/>
+          </a:prstGeom>
+          <a:noFill/>
+          <a:ln>
+            <a:noFill/>
+          </a:ln>
+        </p:spPr>
+        <p:txBody>
+          <a:bodyPr spcFirstLastPara="1" wrap="square" lIns="91375" tIns="45675" rIns="91375" bIns="45675" anchor="t" anchorCtr="0">
+            <a:noAutofit/>
+          </a:bodyPr>
+          <a:lstStyle/>
+          <a:p>
+            <a:pPr marL="0" marR="0" lvl="0" indent="0" algn="l" rtl="0">
+              <a:spcBef>
+                <a:spcPts val="0"/>
+              </a:spcBef>
+              <a:spcAft>
+                <a:spcPts val="0"/>
+              </a:spcAft>
+              <a:buNone/>
+            </a:pPr>
+            <a:endParaRPr sz="1000" dirty="0"/>
+          </a:p>
+        </p:txBody>
+      </p:sp>
+    </p:spTree>
+    <p:extLst>
+      <p:ext uri="{BB962C8B-B14F-4D97-AF65-F5344CB8AC3E}">
+        <p14:creationId xmlns:p14="http://schemas.microsoft.com/office/powerpoint/2010/main" val="2177270488"/>
+      </p:ext>
+    </p:extLst>
+  </p:cSld>
+  <p:clrMapOvr>
+    <a:masterClrMapping/>
+  </p:clrMapOvr>
+</p:notes>
+</file>
+
+<file path=ppt/notesSlides/notesSlide11.xml><?xml version="1.0" encoding="utf-8"?>
+<p:notes xmlns:a="http://schemas.openxmlformats.org/drawingml/2006/main" xmlns:r="http://schemas.openxmlformats.org/officeDocument/2006/relationships" xmlns:p="http://schemas.openxmlformats.org/presentationml/2006/main" showMasterSp="0" showMasterPhAnim="0">
+  <p:cSld>
+    <p:spTree>
+      <p:nvGrpSpPr>
+        <p:cNvPr id="1" name="Shape 91"/>
+        <p:cNvGrpSpPr/>
+        <p:nvPr/>
+      </p:nvGrpSpPr>
+      <p:grpSpPr>
+        <a:xfrm>
+          <a:off x="0" y="0"/>
+          <a:ext cx="0" cy="0"/>
+          <a:chOff x="0" y="0"/>
+          <a:chExt cx="0" cy="0"/>
+        </a:xfrm>
+      </p:grpSpPr>
+      <p:sp>
+        <p:nvSpPr>
+          <p:cNvPr id="92" name="Shape 92"/>
+          <p:cNvSpPr txBox="1"/>
+          <p:nvPr/>
+        </p:nvSpPr>
+        <p:spPr>
+          <a:xfrm>
+            <a:off x="3937000" y="8772525"/>
+            <a:ext cx="3011488" cy="461963"/>
+          </a:xfrm>
+          <a:prstGeom prst="rect">
+            <a:avLst/>
+          </a:prstGeom>
+          <a:noFill/>
+          <a:ln>
+            <a:noFill/>
+          </a:ln>
+        </p:spPr>
+        <p:txBody>
+          <a:bodyPr spcFirstLastPara="1" wrap="square" lIns="91375" tIns="45675" rIns="91375" bIns="45675" anchor="b" anchorCtr="0">
+            <a:noAutofit/>
+          </a:bodyPr>
+          <a:lstStyle/>
+          <a:p>
+            <a:pPr marL="0" marR="0" lvl="0" indent="0" algn="r" rtl="0">
+              <a:spcBef>
+                <a:spcPts val="0"/>
+              </a:spcBef>
+              <a:spcAft>
+                <a:spcPts val="0"/>
+              </a:spcAft>
+              <a:buNone/>
+            </a:pPr>
+            <a:fld id="{00000000-1234-1234-1234-123412341234}" type="slidenum">
+              <a:rPr lang="en-US" sz="1200">
+                <a:solidFill>
+                  <a:schemeClr val="dk1"/>
+                </a:solidFill>
+                <a:latin typeface="Arial"/>
+                <a:ea typeface="Arial"/>
+                <a:cs typeface="Arial"/>
+                <a:sym typeface="Arial"/>
+              </a:rPr>
+              <a:t>14</a:t>
+            </a:fld>
+            <a:endParaRPr sz="1200">
+              <a:solidFill>
+                <a:schemeClr val="dk1"/>
+              </a:solidFill>
+              <a:latin typeface="Arial"/>
+              <a:ea typeface="Arial"/>
+              <a:cs typeface="Arial"/>
+              <a:sym typeface="Arial"/>
+            </a:endParaRPr>
+          </a:p>
+        </p:txBody>
+      </p:sp>
+      <p:sp>
+        <p:nvSpPr>
+          <p:cNvPr id="93" name="Shape 93"/>
+          <p:cNvSpPr>
+            <a:spLocks noGrp="1" noRot="1" noChangeAspect="1"/>
+          </p:cNvSpPr>
+          <p:nvPr>
+            <p:ph type="sldImg" idx="2"/>
+          </p:nvPr>
+        </p:nvSpPr>
+        <p:spPr>
+          <a:xfrm>
+            <a:off x="1165225" y="692150"/>
+            <a:ext cx="4619625" cy="3463925"/>
+          </a:xfrm>
+          <a:custGeom>
+            <a:avLst/>
+            <a:gdLst/>
+            <a:ahLst/>
+            <a:cxnLst/>
+            <a:rect l="0" t="0" r="0" b="0"/>
+            <a:pathLst>
+              <a:path w="120000" h="120000" extrusionOk="0">
+                <a:moveTo>
+                  <a:pt x="0" y="0"/>
+                </a:moveTo>
+                <a:lnTo>
+                  <a:pt x="120000" y="0"/>
+                </a:lnTo>
+                <a:lnTo>
+                  <a:pt x="120000" y="120000"/>
+                </a:lnTo>
+                <a:lnTo>
+                  <a:pt x="0" y="120000"/>
+                </a:lnTo>
+                <a:close/>
+              </a:path>
+            </a:pathLst>
+          </a:custGeom>
+          <a:noFill/>
+          <a:ln>
+            <a:noFill/>
+          </a:ln>
+        </p:spPr>
+      </p:sp>
+      <p:sp>
+        <p:nvSpPr>
+          <p:cNvPr id="94" name="Shape 94"/>
+          <p:cNvSpPr txBox="1">
+            <a:spLocks noGrp="1"/>
+          </p:cNvSpPr>
+          <p:nvPr>
+            <p:ph type="body" idx="1"/>
+          </p:nvPr>
+        </p:nvSpPr>
+        <p:spPr>
+          <a:xfrm>
+            <a:off x="695325" y="4387850"/>
+            <a:ext cx="5945188" cy="4156075"/>
+          </a:xfrm>
+          <a:prstGeom prst="rect">
+            <a:avLst/>
+          </a:prstGeom>
+          <a:noFill/>
+          <a:ln>
+            <a:noFill/>
+          </a:ln>
+        </p:spPr>
+        <p:txBody>
+          <a:bodyPr spcFirstLastPara="1" wrap="square" lIns="91375" tIns="45675" rIns="91375" bIns="45675" anchor="t" anchorCtr="0">
+            <a:noAutofit/>
+          </a:bodyPr>
+          <a:lstStyle/>
+          <a:p>
+            <a:pPr marL="0" marR="0" lvl="0" indent="0" algn="l" rtl="0">
+              <a:spcBef>
+                <a:spcPts val="0"/>
+              </a:spcBef>
+              <a:spcAft>
+                <a:spcPts val="0"/>
+              </a:spcAft>
+              <a:buNone/>
+            </a:pPr>
+            <a:endParaRPr sz="1000" dirty="0"/>
+          </a:p>
+        </p:txBody>
+      </p:sp>
+    </p:spTree>
+    <p:extLst>
+      <p:ext uri="{BB962C8B-B14F-4D97-AF65-F5344CB8AC3E}">
+        <p14:creationId xmlns:p14="http://schemas.microsoft.com/office/powerpoint/2010/main" val="2783984107"/>
+      </p:ext>
+    </p:extLst>
+  </p:cSld>
+  <p:clrMapOvr>
+    <a:masterClrMapping/>
+  </p:clrMapOvr>
+</p:notes>
+</file>
+
+<file path=ppt/notesSlides/notesSlide12.xml><?xml version="1.0" encoding="utf-8"?>
+<p:notes xmlns:a="http://schemas.openxmlformats.org/drawingml/2006/main" xmlns:r="http://schemas.openxmlformats.org/officeDocument/2006/relationships" xmlns:p="http://schemas.openxmlformats.org/presentationml/2006/main" showMasterSp="0" showMasterPhAnim="0">
+  <p:cSld>
+    <p:spTree>
+      <p:nvGrpSpPr>
+        <p:cNvPr id="1" name="Shape 91"/>
+        <p:cNvGrpSpPr/>
+        <p:nvPr/>
+      </p:nvGrpSpPr>
+      <p:grpSpPr>
+        <a:xfrm>
+          <a:off x="0" y="0"/>
+          <a:ext cx="0" cy="0"/>
+          <a:chOff x="0" y="0"/>
+          <a:chExt cx="0" cy="0"/>
+        </a:xfrm>
+      </p:grpSpPr>
+      <p:sp>
+        <p:nvSpPr>
+          <p:cNvPr id="92" name="Shape 92"/>
+          <p:cNvSpPr txBox="1"/>
+          <p:nvPr/>
+        </p:nvSpPr>
+        <p:spPr>
+          <a:xfrm>
+            <a:off x="3937000" y="8772525"/>
+            <a:ext cx="3011488" cy="461963"/>
+          </a:xfrm>
+          <a:prstGeom prst="rect">
+            <a:avLst/>
+          </a:prstGeom>
+          <a:noFill/>
+          <a:ln>
+            <a:noFill/>
+          </a:ln>
+        </p:spPr>
+        <p:txBody>
+          <a:bodyPr spcFirstLastPara="1" wrap="square" lIns="91375" tIns="45675" rIns="91375" bIns="45675" anchor="b" anchorCtr="0">
+            <a:noAutofit/>
+          </a:bodyPr>
+          <a:lstStyle/>
+          <a:p>
+            <a:pPr marL="0" marR="0" lvl="0" indent="0" algn="r" rtl="0">
+              <a:spcBef>
+                <a:spcPts val="0"/>
+              </a:spcBef>
+              <a:spcAft>
+                <a:spcPts val="0"/>
+              </a:spcAft>
+              <a:buNone/>
+            </a:pPr>
+            <a:fld id="{00000000-1234-1234-1234-123412341234}" type="slidenum">
+              <a:rPr lang="en-US" sz="1200">
+                <a:solidFill>
+                  <a:schemeClr val="dk1"/>
+                </a:solidFill>
+                <a:latin typeface="Arial"/>
+                <a:ea typeface="Arial"/>
+                <a:cs typeface="Arial"/>
+                <a:sym typeface="Arial"/>
+              </a:rPr>
+              <a:t>15</a:t>
+            </a:fld>
+            <a:endParaRPr sz="1200">
+              <a:solidFill>
+                <a:schemeClr val="dk1"/>
+              </a:solidFill>
+              <a:latin typeface="Arial"/>
+              <a:ea typeface="Arial"/>
+              <a:cs typeface="Arial"/>
+              <a:sym typeface="Arial"/>
+            </a:endParaRPr>
+          </a:p>
+        </p:txBody>
+      </p:sp>
+      <p:sp>
+        <p:nvSpPr>
+          <p:cNvPr id="93" name="Shape 93"/>
+          <p:cNvSpPr>
+            <a:spLocks noGrp="1" noRot="1" noChangeAspect="1"/>
+          </p:cNvSpPr>
+          <p:nvPr>
+            <p:ph type="sldImg" idx="2"/>
+          </p:nvPr>
+        </p:nvSpPr>
+        <p:spPr>
+          <a:xfrm>
+            <a:off x="1165225" y="692150"/>
+            <a:ext cx="4619625" cy="3463925"/>
+          </a:xfrm>
+          <a:custGeom>
+            <a:avLst/>
+            <a:gdLst/>
+            <a:ahLst/>
+            <a:cxnLst/>
+            <a:rect l="0" t="0" r="0" b="0"/>
+            <a:pathLst>
+              <a:path w="120000" h="120000" extrusionOk="0">
+                <a:moveTo>
+                  <a:pt x="0" y="0"/>
+                </a:moveTo>
+                <a:lnTo>
+                  <a:pt x="120000" y="0"/>
+                </a:lnTo>
+                <a:lnTo>
+                  <a:pt x="120000" y="120000"/>
+                </a:lnTo>
+                <a:lnTo>
+                  <a:pt x="0" y="120000"/>
+                </a:lnTo>
+                <a:close/>
+              </a:path>
+            </a:pathLst>
+          </a:custGeom>
+          <a:noFill/>
+          <a:ln>
+            <a:noFill/>
+          </a:ln>
+        </p:spPr>
+      </p:sp>
+      <p:sp>
+        <p:nvSpPr>
+          <p:cNvPr id="94" name="Shape 94"/>
+          <p:cNvSpPr txBox="1">
+            <a:spLocks noGrp="1"/>
+          </p:cNvSpPr>
+          <p:nvPr>
+            <p:ph type="body" idx="1"/>
+          </p:nvPr>
+        </p:nvSpPr>
+        <p:spPr>
+          <a:xfrm>
+            <a:off x="695325" y="4387850"/>
+            <a:ext cx="5945188" cy="4156075"/>
+          </a:xfrm>
+          <a:prstGeom prst="rect">
+            <a:avLst/>
+          </a:prstGeom>
+          <a:noFill/>
+          <a:ln>
+            <a:noFill/>
+          </a:ln>
+        </p:spPr>
+        <p:txBody>
+          <a:bodyPr spcFirstLastPara="1" wrap="square" lIns="91375" tIns="45675" rIns="91375" bIns="45675" anchor="t" anchorCtr="0">
+            <a:noAutofit/>
+          </a:bodyPr>
+          <a:lstStyle/>
+          <a:p>
+            <a:pPr marL="0" marR="0" lvl="0" indent="0" algn="l" rtl="0">
+              <a:spcBef>
+                <a:spcPts val="0"/>
+              </a:spcBef>
+              <a:spcAft>
+                <a:spcPts val="0"/>
+              </a:spcAft>
+              <a:buNone/>
+            </a:pPr>
+            <a:endParaRPr sz="1000" dirty="0"/>
+          </a:p>
+        </p:txBody>
+      </p:sp>
+    </p:spTree>
+    <p:extLst>
+      <p:ext uri="{BB962C8B-B14F-4D97-AF65-F5344CB8AC3E}">
+        <p14:creationId xmlns:p14="http://schemas.microsoft.com/office/powerpoint/2010/main" val="3919043365"/>
+      </p:ext>
+    </p:extLst>
+  </p:cSld>
+  <p:clrMapOvr>
+    <a:masterClrMapping/>
+  </p:clrMapOvr>
+</p:notes>
+</file>
+
 <file path=ppt/notesSlides/notesSlide2.xml><?xml version="1.0" encoding="utf-8"?>
 <p:notes xmlns:a="http://schemas.openxmlformats.org/drawingml/2006/main" xmlns:r="http://schemas.openxmlformats.org/officeDocument/2006/relationships" xmlns:p="http://schemas.openxmlformats.org/presentationml/2006/main" showMasterSp="0" showMasterPhAnim="0">
   <p:cSld>
@@ -2263,7 +2794,7 @@
     </p:spTree>
     <p:extLst>
       <p:ext uri="{BB962C8B-B14F-4D97-AF65-F5344CB8AC3E}">
-        <p14:creationId xmlns:p14="http://schemas.microsoft.com/office/powerpoint/2010/main" val="2177270488"/>
+        <p14:creationId xmlns:p14="http://schemas.microsoft.com/office/powerpoint/2010/main" val="1275841291"/>
       </p:ext>
     </p:extLst>
   </p:cSld>
@@ -2438,7 +2969,7 @@
     </p:spTree>
     <p:extLst>
       <p:ext uri="{BB962C8B-B14F-4D97-AF65-F5344CB8AC3E}">
-        <p14:creationId xmlns:p14="http://schemas.microsoft.com/office/powerpoint/2010/main" val="3216927339"/>
+        <p14:creationId xmlns:p14="http://schemas.microsoft.com/office/powerpoint/2010/main" val="1099937688"/>
       </p:ext>
     </p:extLst>
   </p:cSld>
@@ -2613,7 +3144,357 @@
     </p:spTree>
     <p:extLst>
       <p:ext uri="{BB962C8B-B14F-4D97-AF65-F5344CB8AC3E}">
-        <p14:creationId xmlns:p14="http://schemas.microsoft.com/office/powerpoint/2010/main" val="3919043365"/>
+        <p14:creationId xmlns:p14="http://schemas.microsoft.com/office/powerpoint/2010/main" val="2613586662"/>
+      </p:ext>
+    </p:extLst>
+  </p:cSld>
+  <p:clrMapOvr>
+    <a:masterClrMapping/>
+  </p:clrMapOvr>
+</p:notes>
+</file>
+
+<file path=ppt/notesSlides/notesSlide8.xml><?xml version="1.0" encoding="utf-8"?>
+<p:notes xmlns:a="http://schemas.openxmlformats.org/drawingml/2006/main" xmlns:r="http://schemas.openxmlformats.org/officeDocument/2006/relationships" xmlns:p="http://schemas.openxmlformats.org/presentationml/2006/main" showMasterSp="0" showMasterPhAnim="0">
+  <p:cSld>
+    <p:spTree>
+      <p:nvGrpSpPr>
+        <p:cNvPr id="1" name="Shape 91"/>
+        <p:cNvGrpSpPr/>
+        <p:nvPr/>
+      </p:nvGrpSpPr>
+      <p:grpSpPr>
+        <a:xfrm>
+          <a:off x="0" y="0"/>
+          <a:ext cx="0" cy="0"/>
+          <a:chOff x="0" y="0"/>
+          <a:chExt cx="0" cy="0"/>
+        </a:xfrm>
+      </p:grpSpPr>
+      <p:sp>
+        <p:nvSpPr>
+          <p:cNvPr id="92" name="Shape 92"/>
+          <p:cNvSpPr txBox="1"/>
+          <p:nvPr/>
+        </p:nvSpPr>
+        <p:spPr>
+          <a:xfrm>
+            <a:off x="3937000" y="8772525"/>
+            <a:ext cx="3011488" cy="461963"/>
+          </a:xfrm>
+          <a:prstGeom prst="rect">
+            <a:avLst/>
+          </a:prstGeom>
+          <a:noFill/>
+          <a:ln>
+            <a:noFill/>
+          </a:ln>
+        </p:spPr>
+        <p:txBody>
+          <a:bodyPr spcFirstLastPara="1" wrap="square" lIns="91375" tIns="45675" rIns="91375" bIns="45675" anchor="b" anchorCtr="0">
+            <a:noAutofit/>
+          </a:bodyPr>
+          <a:lstStyle/>
+          <a:p>
+            <a:pPr marL="0" marR="0" lvl="0" indent="0" algn="r" rtl="0">
+              <a:spcBef>
+                <a:spcPts val="0"/>
+              </a:spcBef>
+              <a:spcAft>
+                <a:spcPts val="0"/>
+              </a:spcAft>
+              <a:buNone/>
+            </a:pPr>
+            <a:fld id="{00000000-1234-1234-1234-123412341234}" type="slidenum">
+              <a:rPr lang="en-US" sz="1200">
+                <a:solidFill>
+                  <a:schemeClr val="dk1"/>
+                </a:solidFill>
+                <a:latin typeface="Arial"/>
+                <a:ea typeface="Arial"/>
+                <a:cs typeface="Arial"/>
+                <a:sym typeface="Arial"/>
+              </a:rPr>
+              <a:t>10</a:t>
+            </a:fld>
+            <a:endParaRPr sz="1200">
+              <a:solidFill>
+                <a:schemeClr val="dk1"/>
+              </a:solidFill>
+              <a:latin typeface="Arial"/>
+              <a:ea typeface="Arial"/>
+              <a:cs typeface="Arial"/>
+              <a:sym typeface="Arial"/>
+            </a:endParaRPr>
+          </a:p>
+        </p:txBody>
+      </p:sp>
+      <p:sp>
+        <p:nvSpPr>
+          <p:cNvPr id="93" name="Shape 93"/>
+          <p:cNvSpPr>
+            <a:spLocks noGrp="1" noRot="1" noChangeAspect="1"/>
+          </p:cNvSpPr>
+          <p:nvPr>
+            <p:ph type="sldImg" idx="2"/>
+          </p:nvPr>
+        </p:nvSpPr>
+        <p:spPr>
+          <a:xfrm>
+            <a:off x="1165225" y="692150"/>
+            <a:ext cx="4619625" cy="3463925"/>
+          </a:xfrm>
+          <a:custGeom>
+            <a:avLst/>
+            <a:gdLst/>
+            <a:ahLst/>
+            <a:cxnLst/>
+            <a:rect l="0" t="0" r="0" b="0"/>
+            <a:pathLst>
+              <a:path w="120000" h="120000" extrusionOk="0">
+                <a:moveTo>
+                  <a:pt x="0" y="0"/>
+                </a:moveTo>
+                <a:lnTo>
+                  <a:pt x="120000" y="0"/>
+                </a:lnTo>
+                <a:lnTo>
+                  <a:pt x="120000" y="120000"/>
+                </a:lnTo>
+                <a:lnTo>
+                  <a:pt x="0" y="120000"/>
+                </a:lnTo>
+                <a:close/>
+              </a:path>
+            </a:pathLst>
+          </a:custGeom>
+          <a:noFill/>
+          <a:ln>
+            <a:noFill/>
+          </a:ln>
+        </p:spPr>
+      </p:sp>
+      <p:sp>
+        <p:nvSpPr>
+          <p:cNvPr id="94" name="Shape 94"/>
+          <p:cNvSpPr txBox="1">
+            <a:spLocks noGrp="1"/>
+          </p:cNvSpPr>
+          <p:nvPr>
+            <p:ph type="body" idx="1"/>
+          </p:nvPr>
+        </p:nvSpPr>
+        <p:spPr>
+          <a:xfrm>
+            <a:off x="695325" y="4387850"/>
+            <a:ext cx="5945188" cy="4156075"/>
+          </a:xfrm>
+          <a:prstGeom prst="rect">
+            <a:avLst/>
+          </a:prstGeom>
+          <a:noFill/>
+          <a:ln>
+            <a:noFill/>
+          </a:ln>
+        </p:spPr>
+        <p:txBody>
+          <a:bodyPr spcFirstLastPara="1" wrap="square" lIns="91375" tIns="45675" rIns="91375" bIns="45675" anchor="t" anchorCtr="0">
+            <a:noAutofit/>
+          </a:bodyPr>
+          <a:lstStyle/>
+          <a:p>
+            <a:pPr marL="0" marR="0" lvl="0" indent="0" algn="l" rtl="0">
+              <a:spcBef>
+                <a:spcPts val="0"/>
+              </a:spcBef>
+              <a:spcAft>
+                <a:spcPts val="0"/>
+              </a:spcAft>
+              <a:buNone/>
+            </a:pPr>
+            <a:endParaRPr sz="1000" dirty="0"/>
+          </a:p>
+        </p:txBody>
+      </p:sp>
+    </p:spTree>
+    <p:extLst>
+      <p:ext uri="{BB962C8B-B14F-4D97-AF65-F5344CB8AC3E}">
+        <p14:creationId xmlns:p14="http://schemas.microsoft.com/office/powerpoint/2010/main" val="2441448247"/>
+      </p:ext>
+    </p:extLst>
+  </p:cSld>
+  <p:clrMapOvr>
+    <a:masterClrMapping/>
+  </p:clrMapOvr>
+</p:notes>
+</file>
+
+<file path=ppt/notesSlides/notesSlide9.xml><?xml version="1.0" encoding="utf-8"?>
+<p:notes xmlns:a="http://schemas.openxmlformats.org/drawingml/2006/main" xmlns:r="http://schemas.openxmlformats.org/officeDocument/2006/relationships" xmlns:p="http://schemas.openxmlformats.org/presentationml/2006/main" showMasterSp="0" showMasterPhAnim="0">
+  <p:cSld>
+    <p:spTree>
+      <p:nvGrpSpPr>
+        <p:cNvPr id="1" name="Shape 91"/>
+        <p:cNvGrpSpPr/>
+        <p:nvPr/>
+      </p:nvGrpSpPr>
+      <p:grpSpPr>
+        <a:xfrm>
+          <a:off x="0" y="0"/>
+          <a:ext cx="0" cy="0"/>
+          <a:chOff x="0" y="0"/>
+          <a:chExt cx="0" cy="0"/>
+        </a:xfrm>
+      </p:grpSpPr>
+      <p:sp>
+        <p:nvSpPr>
+          <p:cNvPr id="92" name="Shape 92"/>
+          <p:cNvSpPr txBox="1"/>
+          <p:nvPr/>
+        </p:nvSpPr>
+        <p:spPr>
+          <a:xfrm>
+            <a:off x="3937000" y="8772525"/>
+            <a:ext cx="3011488" cy="461963"/>
+          </a:xfrm>
+          <a:prstGeom prst="rect">
+            <a:avLst/>
+          </a:prstGeom>
+          <a:noFill/>
+          <a:ln>
+            <a:noFill/>
+          </a:ln>
+        </p:spPr>
+        <p:txBody>
+          <a:bodyPr spcFirstLastPara="1" wrap="square" lIns="91375" tIns="45675" rIns="91375" bIns="45675" anchor="b" anchorCtr="0">
+            <a:noAutofit/>
+          </a:bodyPr>
+          <a:lstStyle/>
+          <a:p>
+            <a:pPr marL="0" marR="0" lvl="0" indent="0" algn="r" rtl="0">
+              <a:spcBef>
+                <a:spcPts val="0"/>
+              </a:spcBef>
+              <a:spcAft>
+                <a:spcPts val="0"/>
+              </a:spcAft>
+              <a:buNone/>
+            </a:pPr>
+            <a:fld id="{00000000-1234-1234-1234-123412341234}" type="slidenum">
+              <a:rPr lang="en-US" sz="1200">
+                <a:solidFill>
+                  <a:schemeClr val="dk1"/>
+                </a:solidFill>
+                <a:latin typeface="Arial"/>
+                <a:ea typeface="Arial"/>
+                <a:cs typeface="Arial"/>
+                <a:sym typeface="Arial"/>
+              </a:rPr>
+              <a:t>11</a:t>
+            </a:fld>
+            <a:endParaRPr sz="1200">
+              <a:solidFill>
+                <a:schemeClr val="dk1"/>
+              </a:solidFill>
+              <a:latin typeface="Arial"/>
+              <a:ea typeface="Arial"/>
+              <a:cs typeface="Arial"/>
+              <a:sym typeface="Arial"/>
+            </a:endParaRPr>
+          </a:p>
+        </p:txBody>
+      </p:sp>
+      <p:sp>
+        <p:nvSpPr>
+          <p:cNvPr id="93" name="Shape 93"/>
+          <p:cNvSpPr>
+            <a:spLocks noGrp="1" noRot="1" noChangeAspect="1"/>
+          </p:cNvSpPr>
+          <p:nvPr>
+            <p:ph type="sldImg" idx="2"/>
+          </p:nvPr>
+        </p:nvSpPr>
+        <p:spPr>
+          <a:xfrm>
+            <a:off x="1165225" y="692150"/>
+            <a:ext cx="4619625" cy="3463925"/>
+          </a:xfrm>
+          <a:custGeom>
+            <a:avLst/>
+            <a:gdLst/>
+            <a:ahLst/>
+            <a:cxnLst/>
+            <a:rect l="0" t="0" r="0" b="0"/>
+            <a:pathLst>
+              <a:path w="120000" h="120000" extrusionOk="0">
+                <a:moveTo>
+                  <a:pt x="0" y="0"/>
+                </a:moveTo>
+                <a:lnTo>
+                  <a:pt x="120000" y="0"/>
+                </a:lnTo>
+                <a:lnTo>
+                  <a:pt x="120000" y="120000"/>
+                </a:lnTo>
+                <a:lnTo>
+                  <a:pt x="0" y="120000"/>
+                </a:lnTo>
+                <a:close/>
+              </a:path>
+            </a:pathLst>
+          </a:custGeom>
+          <a:noFill/>
+          <a:ln>
+            <a:noFill/>
+          </a:ln>
+        </p:spPr>
+      </p:sp>
+      <p:sp>
+        <p:nvSpPr>
+          <p:cNvPr id="94" name="Shape 94"/>
+          <p:cNvSpPr txBox="1">
+            <a:spLocks noGrp="1"/>
+          </p:cNvSpPr>
+          <p:nvPr>
+            <p:ph type="body" idx="1"/>
+          </p:nvPr>
+        </p:nvSpPr>
+        <p:spPr>
+          <a:xfrm>
+            <a:off x="695325" y="4387850"/>
+            <a:ext cx="5945188" cy="4156075"/>
+          </a:xfrm>
+          <a:prstGeom prst="rect">
+            <a:avLst/>
+          </a:prstGeom>
+          <a:noFill/>
+          <a:ln>
+            <a:noFill/>
+          </a:ln>
+        </p:spPr>
+        <p:txBody>
+          <a:bodyPr spcFirstLastPara="1" wrap="square" lIns="91375" tIns="45675" rIns="91375" bIns="45675" anchor="t" anchorCtr="0">
+            <a:noAutofit/>
+          </a:bodyPr>
+          <a:lstStyle/>
+          <a:p>
+            <a:pPr marL="0" marR="0" lvl="0" indent="0" algn="l" rtl="0">
+              <a:spcBef>
+                <a:spcPts val="0"/>
+              </a:spcBef>
+              <a:spcAft>
+                <a:spcPts val="0"/>
+              </a:spcAft>
+              <a:buNone/>
+            </a:pPr>
+            <a:endParaRPr sz="1000" dirty="0"/>
+          </a:p>
+        </p:txBody>
+      </p:sp>
+    </p:spTree>
+    <p:extLst>
+      <p:ext uri="{BB962C8B-B14F-4D97-AF65-F5344CB8AC3E}">
+        <p14:creationId xmlns:p14="http://schemas.microsoft.com/office/powerpoint/2010/main" val="3796426595"/>
       </p:ext>
     </p:extLst>
   </p:cSld>
@@ -12788,6 +13669,1817 @@
 </p:sld>
 </file>
 
+<file path=ppt/slides/slide10.xml><?xml version="1.0" encoding="utf-8"?>
+<p:sld xmlns:a="http://schemas.openxmlformats.org/drawingml/2006/main" xmlns:r="http://schemas.openxmlformats.org/officeDocument/2006/relationships" xmlns:p="http://schemas.openxmlformats.org/presentationml/2006/main">
+  <p:cSld>
+    <p:spTree>
+      <p:nvGrpSpPr>
+        <p:cNvPr id="1" name="Shape 95"/>
+        <p:cNvGrpSpPr/>
+        <p:nvPr/>
+      </p:nvGrpSpPr>
+      <p:grpSpPr>
+        <a:xfrm>
+          <a:off x="0" y="0"/>
+          <a:ext cx="0" cy="0"/>
+          <a:chOff x="0" y="0"/>
+          <a:chExt cx="0" cy="0"/>
+        </a:xfrm>
+      </p:grpSpPr>
+      <p:pic>
+        <p:nvPicPr>
+          <p:cNvPr id="4" name="Picture 3">
+            <a:extLst>
+              <a:ext uri="{FF2B5EF4-FFF2-40B4-BE49-F238E27FC236}">
+                <a16:creationId xmlns:a16="http://schemas.microsoft.com/office/drawing/2014/main" id="{1F77355E-1422-49A7-982C-BC7806C6A509}"/>
+              </a:ext>
+            </a:extLst>
+          </p:cNvPr>
+          <p:cNvPicPr>
+            <a:picLocks noChangeAspect="1"/>
+          </p:cNvPicPr>
+          <p:nvPr/>
+        </p:nvPicPr>
+        <p:blipFill rotWithShape="1">
+          <a:blip r:embed="rId3"/>
+          <a:srcRect l="61500" t="18802" r="11961" b="13573"/>
+          <a:stretch/>
+        </p:blipFill>
+        <p:spPr>
+          <a:xfrm>
+            <a:off x="990824" y="1017270"/>
+            <a:ext cx="6705151" cy="4805317"/>
+          </a:xfrm>
+          <a:prstGeom prst="rect">
+            <a:avLst/>
+          </a:prstGeom>
+        </p:spPr>
+      </p:pic>
+      <p:sp>
+        <p:nvSpPr>
+          <p:cNvPr id="96" name="Shape 96"/>
+          <p:cNvSpPr txBox="1"/>
+          <p:nvPr/>
+        </p:nvSpPr>
+        <p:spPr>
+          <a:xfrm>
+            <a:off x="4343400" y="6172200"/>
+            <a:ext cx="457200" cy="457200"/>
+          </a:xfrm>
+          <a:prstGeom prst="rect">
+            <a:avLst/>
+          </a:prstGeom>
+          <a:noFill/>
+          <a:ln>
+            <a:noFill/>
+          </a:ln>
+        </p:spPr>
+        <p:txBody>
+          <a:bodyPr spcFirstLastPara="1" wrap="square" lIns="91425" tIns="45700" rIns="91425" bIns="45700" anchor="t" anchorCtr="0">
+            <a:noAutofit/>
+          </a:bodyPr>
+          <a:lstStyle/>
+          <a:p>
+            <a:pPr marL="0" marR="0" lvl="0" indent="0" algn="ctr" rtl="0">
+              <a:spcBef>
+                <a:spcPts val="0"/>
+              </a:spcBef>
+              <a:spcAft>
+                <a:spcPts val="0"/>
+              </a:spcAft>
+              <a:buNone/>
+            </a:pPr>
+            <a:fld id="{00000000-1234-1234-1234-123412341234}" type="slidenum">
+              <a:rPr lang="en-US" sz="1000">
+                <a:solidFill>
+                  <a:schemeClr val="dk1"/>
+                </a:solidFill>
+                <a:latin typeface="Arial"/>
+                <a:ea typeface="Arial"/>
+                <a:cs typeface="Arial"/>
+                <a:sym typeface="Arial"/>
+              </a:rPr>
+              <a:t>10</a:t>
+            </a:fld>
+            <a:endParaRPr sz="1000">
+              <a:solidFill>
+                <a:schemeClr val="dk1"/>
+              </a:solidFill>
+              <a:latin typeface="Arial"/>
+              <a:ea typeface="Arial"/>
+              <a:cs typeface="Arial"/>
+              <a:sym typeface="Arial"/>
+            </a:endParaRPr>
+          </a:p>
+        </p:txBody>
+      </p:sp>
+      <p:sp>
+        <p:nvSpPr>
+          <p:cNvPr id="97" name="Shape 97"/>
+          <p:cNvSpPr txBox="1"/>
+          <p:nvPr/>
+        </p:nvSpPr>
+        <p:spPr>
+          <a:xfrm>
+            <a:off x="381000" y="223650"/>
+            <a:ext cx="8382000" cy="457200"/>
+          </a:xfrm>
+          <a:prstGeom prst="rect">
+            <a:avLst/>
+          </a:prstGeom>
+          <a:noFill/>
+          <a:ln>
+            <a:noFill/>
+          </a:ln>
+        </p:spPr>
+        <p:txBody>
+          <a:bodyPr spcFirstLastPara="1" wrap="square" lIns="91425" tIns="45700" rIns="91425" bIns="45700" anchor="t" anchorCtr="0">
+            <a:noAutofit/>
+          </a:bodyPr>
+          <a:lstStyle/>
+          <a:p>
+            <a:pPr marL="0" marR="0" lvl="0" indent="0" algn="l" rtl="0">
+              <a:spcBef>
+                <a:spcPts val="0"/>
+              </a:spcBef>
+              <a:spcAft>
+                <a:spcPts val="0"/>
+              </a:spcAft>
+              <a:buNone/>
+            </a:pPr>
+            <a:r>
+              <a:rPr lang="en-US" sz="2400" b="1" dirty="0">
+                <a:solidFill>
+                  <a:srgbClr val="820009"/>
+                </a:solidFill>
+              </a:rPr>
+              <a:t>Click on ‘mtcars_missing_data.csv’</a:t>
+            </a:r>
+            <a:endParaRPr sz="2400" b="1" dirty="0">
+              <a:solidFill>
+                <a:srgbClr val="820009"/>
+              </a:solidFill>
+              <a:latin typeface="Arial"/>
+              <a:ea typeface="Arial"/>
+              <a:cs typeface="Arial"/>
+              <a:sym typeface="Arial"/>
+            </a:endParaRPr>
+          </a:p>
+        </p:txBody>
+      </p:sp>
+      <p:graphicFrame>
+        <p:nvGraphicFramePr>
+          <p:cNvPr id="99" name="Shape 99"/>
+          <p:cNvGraphicFramePr/>
+          <p:nvPr/>
+        </p:nvGraphicFramePr>
+        <p:xfrm>
+          <a:off x="5623560" y="560070"/>
+          <a:ext cx="208300" cy="365770"/>
+        </p:xfrm>
+        <a:graphic>
+          <a:graphicData uri="http://schemas.openxmlformats.org/drawingml/2006/table">
+            <a:tbl>
+              <a:tblPr>
+                <a:noFill/>
+                <a:tableStyleId>{3E517AEF-C05D-40B9-8274-1AED4C133E0D}</a:tableStyleId>
+              </a:tblPr>
+              <a:tblGrid>
+                <a:gridCol w="208300">
+                  <a:extLst>
+                    <a:ext uri="{9D8B030D-6E8A-4147-A177-3AD203B41FA5}">
+                      <a16:colId xmlns:a16="http://schemas.microsoft.com/office/drawing/2014/main" val="20000"/>
+                    </a:ext>
+                  </a:extLst>
+                </a:gridCol>
+              </a:tblGrid>
+              <a:tr h="0">
+                <a:tc>
+                  <a:txBody>
+                    <a:bodyPr/>
+                    <a:lstStyle/>
+                    <a:p>
+                      <a:pPr marL="0" marR="0" lvl="0" indent="0" algn="l" rtl="0">
+                        <a:spcBef>
+                          <a:spcPts val="0"/>
+                        </a:spcBef>
+                        <a:spcAft>
+                          <a:spcPts val="0"/>
+                        </a:spcAft>
+                        <a:buNone/>
+                      </a:pPr>
+                      <a:endParaRPr sz="1800"/>
+                    </a:p>
+                  </a:txBody>
+                  <a:tcPr marL="91450" marR="91450" marT="45725" marB="45725">
+                    <a:lnL w="9525" cap="flat" cmpd="sng">
+                      <a:solidFill>
+                        <a:srgbClr val="000000">
+                          <a:alpha val="0"/>
+                        </a:srgbClr>
+                      </a:solidFill>
+                      <a:prstDash val="solid"/>
+                      <a:round/>
+                      <a:headEnd type="none" w="sm" len="sm"/>
+                      <a:tailEnd type="none" w="sm" len="sm"/>
+                    </a:lnL>
+                    <a:lnR w="9525" cap="flat" cmpd="sng">
+                      <a:solidFill>
+                        <a:srgbClr val="000000">
+                          <a:alpha val="0"/>
+                        </a:srgbClr>
+                      </a:solidFill>
+                      <a:prstDash val="solid"/>
+                      <a:round/>
+                      <a:headEnd type="none" w="sm" len="sm"/>
+                      <a:tailEnd type="none" w="sm" len="sm"/>
+                    </a:lnR>
+                    <a:lnT w="9525" cap="flat" cmpd="sng">
+                      <a:solidFill>
+                        <a:srgbClr val="000000">
+                          <a:alpha val="0"/>
+                        </a:srgbClr>
+                      </a:solidFill>
+                      <a:prstDash val="solid"/>
+                      <a:round/>
+                      <a:headEnd type="none" w="sm" len="sm"/>
+                      <a:tailEnd type="none" w="sm" len="sm"/>
+                    </a:lnT>
+                    <a:lnB w="9525" cap="flat" cmpd="sng">
+                      <a:solidFill>
+                        <a:srgbClr val="000000">
+                          <a:alpha val="0"/>
+                        </a:srgbClr>
+                      </a:solidFill>
+                      <a:prstDash val="solid"/>
+                      <a:round/>
+                      <a:headEnd type="none" w="sm" len="sm"/>
+                      <a:tailEnd type="none" w="sm" len="sm"/>
+                    </a:lnB>
+                  </a:tcPr>
+                </a:tc>
+                <a:extLst>
+                  <a:ext uri="{0D108BD9-81ED-4DB2-BD59-A6C34878D82A}">
+                    <a16:rowId xmlns:a16="http://schemas.microsoft.com/office/drawing/2014/main" val="10000"/>
+                  </a:ext>
+                </a:extLst>
+              </a:tr>
+            </a:tbl>
+          </a:graphicData>
+        </a:graphic>
+      </p:graphicFrame>
+      <p:sp>
+        <p:nvSpPr>
+          <p:cNvPr id="10" name="Rectangle 9">
+            <a:extLst>
+              <a:ext uri="{FF2B5EF4-FFF2-40B4-BE49-F238E27FC236}">
+                <a16:creationId xmlns:a16="http://schemas.microsoft.com/office/drawing/2014/main" id="{A867970A-1AAC-4314-888F-6D093452571B}"/>
+              </a:ext>
+            </a:extLst>
+          </p:cNvPr>
+          <p:cNvSpPr/>
+          <p:nvPr/>
+        </p:nvSpPr>
+        <p:spPr>
+          <a:xfrm>
+            <a:off x="1138518" y="5507475"/>
+            <a:ext cx="1272988" cy="176148"/>
+          </a:xfrm>
+          <a:prstGeom prst="rect">
+            <a:avLst/>
+          </a:prstGeom>
+          <a:noFill/>
+          <a:ln>
+            <a:solidFill>
+              <a:srgbClr val="FF0000"/>
+            </a:solidFill>
+          </a:ln>
+        </p:spPr>
+        <p:style>
+          <a:lnRef idx="2">
+            <a:schemeClr val="accent1">
+              <a:shade val="50000"/>
+            </a:schemeClr>
+          </a:lnRef>
+          <a:fillRef idx="1">
+            <a:schemeClr val="accent1"/>
+          </a:fillRef>
+          <a:effectRef idx="0">
+            <a:schemeClr val="accent1"/>
+          </a:effectRef>
+          <a:fontRef idx="minor">
+            <a:schemeClr val="lt1"/>
+          </a:fontRef>
+        </p:style>
+        <p:txBody>
+          <a:bodyPr rtlCol="0" anchor="ctr"/>
+          <a:lstStyle/>
+          <a:p>
+            <a:pPr algn="ctr"/>
+            <a:endParaRPr lang="en-US"/>
+          </a:p>
+        </p:txBody>
+      </p:sp>
+    </p:spTree>
+    <p:extLst>
+      <p:ext uri="{BB962C8B-B14F-4D97-AF65-F5344CB8AC3E}">
+        <p14:creationId xmlns:p14="http://schemas.microsoft.com/office/powerpoint/2010/main" val="413836592"/>
+      </p:ext>
+    </p:extLst>
+  </p:cSld>
+  <p:clrMapOvr>
+    <a:masterClrMapping/>
+  </p:clrMapOvr>
+</p:sld>
+</file>
+
+<file path=ppt/slides/slide11.xml><?xml version="1.0" encoding="utf-8"?>
+<p:sld xmlns:a="http://schemas.openxmlformats.org/drawingml/2006/main" xmlns:r="http://schemas.openxmlformats.org/officeDocument/2006/relationships" xmlns:p="http://schemas.openxmlformats.org/presentationml/2006/main">
+  <p:cSld>
+    <p:spTree>
+      <p:nvGrpSpPr>
+        <p:cNvPr id="1" name="Shape 95"/>
+        <p:cNvGrpSpPr/>
+        <p:nvPr/>
+      </p:nvGrpSpPr>
+      <p:grpSpPr>
+        <a:xfrm>
+          <a:off x="0" y="0"/>
+          <a:ext cx="0" cy="0"/>
+          <a:chOff x="0" y="0"/>
+          <a:chExt cx="0" cy="0"/>
+        </a:xfrm>
+      </p:grpSpPr>
+      <p:pic>
+        <p:nvPicPr>
+          <p:cNvPr id="3" name="Picture 2">
+            <a:extLst>
+              <a:ext uri="{FF2B5EF4-FFF2-40B4-BE49-F238E27FC236}">
+                <a16:creationId xmlns:a16="http://schemas.microsoft.com/office/drawing/2014/main" id="{B00DE6AC-C48A-4519-94B3-0AF6BAFAE3E3}"/>
+              </a:ext>
+            </a:extLst>
+          </p:cNvPr>
+          <p:cNvPicPr>
+            <a:picLocks noChangeAspect="1"/>
+          </p:cNvPicPr>
+          <p:nvPr/>
+        </p:nvPicPr>
+        <p:blipFill>
+          <a:blip r:embed="rId3"/>
+          <a:stretch>
+            <a:fillRect/>
+          </a:stretch>
+        </p:blipFill>
+        <p:spPr>
+          <a:xfrm>
+            <a:off x="1534018" y="918851"/>
+            <a:ext cx="6075963" cy="5015348"/>
+          </a:xfrm>
+          <a:prstGeom prst="rect">
+            <a:avLst/>
+          </a:prstGeom>
+        </p:spPr>
+      </p:pic>
+      <p:sp>
+        <p:nvSpPr>
+          <p:cNvPr id="96" name="Shape 96"/>
+          <p:cNvSpPr txBox="1"/>
+          <p:nvPr/>
+        </p:nvSpPr>
+        <p:spPr>
+          <a:xfrm>
+            <a:off x="4343400" y="6172200"/>
+            <a:ext cx="457200" cy="457200"/>
+          </a:xfrm>
+          <a:prstGeom prst="rect">
+            <a:avLst/>
+          </a:prstGeom>
+          <a:noFill/>
+          <a:ln>
+            <a:noFill/>
+          </a:ln>
+        </p:spPr>
+        <p:txBody>
+          <a:bodyPr spcFirstLastPara="1" wrap="square" lIns="91425" tIns="45700" rIns="91425" bIns="45700" anchor="t" anchorCtr="0">
+            <a:noAutofit/>
+          </a:bodyPr>
+          <a:lstStyle/>
+          <a:p>
+            <a:pPr marL="0" marR="0" lvl="0" indent="0" algn="ctr" rtl="0">
+              <a:spcBef>
+                <a:spcPts val="0"/>
+              </a:spcBef>
+              <a:spcAft>
+                <a:spcPts val="0"/>
+              </a:spcAft>
+              <a:buNone/>
+            </a:pPr>
+            <a:fld id="{00000000-1234-1234-1234-123412341234}" type="slidenum">
+              <a:rPr lang="en-US" sz="1000">
+                <a:solidFill>
+                  <a:schemeClr val="dk1"/>
+                </a:solidFill>
+                <a:latin typeface="Arial"/>
+                <a:ea typeface="Arial"/>
+                <a:cs typeface="Arial"/>
+                <a:sym typeface="Arial"/>
+              </a:rPr>
+              <a:t>11</a:t>
+            </a:fld>
+            <a:endParaRPr sz="1000">
+              <a:solidFill>
+                <a:schemeClr val="dk1"/>
+              </a:solidFill>
+              <a:latin typeface="Arial"/>
+              <a:ea typeface="Arial"/>
+              <a:cs typeface="Arial"/>
+              <a:sym typeface="Arial"/>
+            </a:endParaRPr>
+          </a:p>
+        </p:txBody>
+      </p:sp>
+      <p:sp>
+        <p:nvSpPr>
+          <p:cNvPr id="97" name="Shape 97"/>
+          <p:cNvSpPr txBox="1"/>
+          <p:nvPr/>
+        </p:nvSpPr>
+        <p:spPr>
+          <a:xfrm>
+            <a:off x="381000" y="223650"/>
+            <a:ext cx="8382000" cy="457200"/>
+          </a:xfrm>
+          <a:prstGeom prst="rect">
+            <a:avLst/>
+          </a:prstGeom>
+          <a:noFill/>
+          <a:ln>
+            <a:noFill/>
+          </a:ln>
+        </p:spPr>
+        <p:txBody>
+          <a:bodyPr spcFirstLastPara="1" wrap="square" lIns="91425" tIns="45700" rIns="91425" bIns="45700" anchor="t" anchorCtr="0">
+            <a:noAutofit/>
+          </a:bodyPr>
+          <a:lstStyle/>
+          <a:p>
+            <a:pPr marL="0" marR="0" lvl="0" indent="0" algn="l" rtl="0">
+              <a:spcBef>
+                <a:spcPts val="0"/>
+              </a:spcBef>
+              <a:spcAft>
+                <a:spcPts val="0"/>
+              </a:spcAft>
+              <a:buNone/>
+            </a:pPr>
+            <a:r>
+              <a:rPr lang="en-US" sz="2400" b="1" dirty="0">
+                <a:solidFill>
+                  <a:srgbClr val="820009"/>
+                </a:solidFill>
+                <a:latin typeface="Arial"/>
+                <a:ea typeface="Arial"/>
+                <a:cs typeface="Arial"/>
+                <a:sym typeface="Arial"/>
+              </a:rPr>
+              <a:t>Save the Raw .</a:t>
+            </a:r>
+            <a:r>
+              <a:rPr lang="en-US" sz="2400" b="1" dirty="0">
+                <a:solidFill>
+                  <a:srgbClr val="820009"/>
+                </a:solidFill>
+              </a:rPr>
+              <a:t>csv</a:t>
+            </a:r>
+            <a:endParaRPr sz="2400" b="1" dirty="0">
+              <a:solidFill>
+                <a:srgbClr val="820009"/>
+              </a:solidFill>
+              <a:latin typeface="Arial"/>
+              <a:ea typeface="Arial"/>
+              <a:cs typeface="Arial"/>
+              <a:sym typeface="Arial"/>
+            </a:endParaRPr>
+          </a:p>
+        </p:txBody>
+      </p:sp>
+      <p:graphicFrame>
+        <p:nvGraphicFramePr>
+          <p:cNvPr id="99" name="Shape 99"/>
+          <p:cNvGraphicFramePr/>
+          <p:nvPr/>
+        </p:nvGraphicFramePr>
+        <p:xfrm>
+          <a:off x="5623560" y="560070"/>
+          <a:ext cx="208300" cy="365770"/>
+        </p:xfrm>
+        <a:graphic>
+          <a:graphicData uri="http://schemas.openxmlformats.org/drawingml/2006/table">
+            <a:tbl>
+              <a:tblPr>
+                <a:noFill/>
+                <a:tableStyleId>{3E517AEF-C05D-40B9-8274-1AED4C133E0D}</a:tableStyleId>
+              </a:tblPr>
+              <a:tblGrid>
+                <a:gridCol w="208300">
+                  <a:extLst>
+                    <a:ext uri="{9D8B030D-6E8A-4147-A177-3AD203B41FA5}">
+                      <a16:colId xmlns:a16="http://schemas.microsoft.com/office/drawing/2014/main" val="20000"/>
+                    </a:ext>
+                  </a:extLst>
+                </a:gridCol>
+              </a:tblGrid>
+              <a:tr h="0">
+                <a:tc>
+                  <a:txBody>
+                    <a:bodyPr/>
+                    <a:lstStyle/>
+                    <a:p>
+                      <a:pPr marL="0" marR="0" lvl="0" indent="0" algn="l" rtl="0">
+                        <a:spcBef>
+                          <a:spcPts val="0"/>
+                        </a:spcBef>
+                        <a:spcAft>
+                          <a:spcPts val="0"/>
+                        </a:spcAft>
+                        <a:buNone/>
+                      </a:pPr>
+                      <a:endParaRPr sz="1800"/>
+                    </a:p>
+                  </a:txBody>
+                  <a:tcPr marL="91450" marR="91450" marT="45725" marB="45725">
+                    <a:lnL w="9525" cap="flat" cmpd="sng">
+                      <a:solidFill>
+                        <a:srgbClr val="000000">
+                          <a:alpha val="0"/>
+                        </a:srgbClr>
+                      </a:solidFill>
+                      <a:prstDash val="solid"/>
+                      <a:round/>
+                      <a:headEnd type="none" w="sm" len="sm"/>
+                      <a:tailEnd type="none" w="sm" len="sm"/>
+                    </a:lnL>
+                    <a:lnR w="9525" cap="flat" cmpd="sng">
+                      <a:solidFill>
+                        <a:srgbClr val="000000">
+                          <a:alpha val="0"/>
+                        </a:srgbClr>
+                      </a:solidFill>
+                      <a:prstDash val="solid"/>
+                      <a:round/>
+                      <a:headEnd type="none" w="sm" len="sm"/>
+                      <a:tailEnd type="none" w="sm" len="sm"/>
+                    </a:lnR>
+                    <a:lnT w="9525" cap="flat" cmpd="sng">
+                      <a:solidFill>
+                        <a:srgbClr val="000000">
+                          <a:alpha val="0"/>
+                        </a:srgbClr>
+                      </a:solidFill>
+                      <a:prstDash val="solid"/>
+                      <a:round/>
+                      <a:headEnd type="none" w="sm" len="sm"/>
+                      <a:tailEnd type="none" w="sm" len="sm"/>
+                    </a:lnT>
+                    <a:lnB w="9525" cap="flat" cmpd="sng">
+                      <a:solidFill>
+                        <a:srgbClr val="000000">
+                          <a:alpha val="0"/>
+                        </a:srgbClr>
+                      </a:solidFill>
+                      <a:prstDash val="solid"/>
+                      <a:round/>
+                      <a:headEnd type="none" w="sm" len="sm"/>
+                      <a:tailEnd type="none" w="sm" len="sm"/>
+                    </a:lnB>
+                  </a:tcPr>
+                </a:tc>
+                <a:extLst>
+                  <a:ext uri="{0D108BD9-81ED-4DB2-BD59-A6C34878D82A}">
+                    <a16:rowId xmlns:a16="http://schemas.microsoft.com/office/drawing/2014/main" val="10000"/>
+                  </a:ext>
+                </a:extLst>
+              </a:tr>
+            </a:tbl>
+          </a:graphicData>
+        </a:graphic>
+      </p:graphicFrame>
+      <p:sp>
+        <p:nvSpPr>
+          <p:cNvPr id="10" name="Rectangle 9">
+            <a:extLst>
+              <a:ext uri="{FF2B5EF4-FFF2-40B4-BE49-F238E27FC236}">
+                <a16:creationId xmlns:a16="http://schemas.microsoft.com/office/drawing/2014/main" id="{A867970A-1AAC-4314-888F-6D093452571B}"/>
+              </a:ext>
+            </a:extLst>
+          </p:cNvPr>
+          <p:cNvSpPr/>
+          <p:nvPr/>
+        </p:nvSpPr>
+        <p:spPr>
+          <a:xfrm>
+            <a:off x="5563496" y="956765"/>
+            <a:ext cx="268364" cy="207075"/>
+          </a:xfrm>
+          <a:prstGeom prst="rect">
+            <a:avLst/>
+          </a:prstGeom>
+          <a:noFill/>
+          <a:ln>
+            <a:solidFill>
+              <a:srgbClr val="FF0000"/>
+            </a:solidFill>
+          </a:ln>
+        </p:spPr>
+        <p:style>
+          <a:lnRef idx="2">
+            <a:schemeClr val="accent1">
+              <a:shade val="50000"/>
+            </a:schemeClr>
+          </a:lnRef>
+          <a:fillRef idx="1">
+            <a:schemeClr val="accent1"/>
+          </a:fillRef>
+          <a:effectRef idx="0">
+            <a:schemeClr val="accent1"/>
+          </a:effectRef>
+          <a:fontRef idx="minor">
+            <a:schemeClr val="lt1"/>
+          </a:fontRef>
+        </p:style>
+        <p:txBody>
+          <a:bodyPr rtlCol="0" anchor="ctr"/>
+          <a:lstStyle/>
+          <a:p>
+            <a:pPr algn="ctr"/>
+            <a:endParaRPr lang="en-US"/>
+          </a:p>
+        </p:txBody>
+      </p:sp>
+    </p:spTree>
+    <p:extLst>
+      <p:ext uri="{BB962C8B-B14F-4D97-AF65-F5344CB8AC3E}">
+        <p14:creationId xmlns:p14="http://schemas.microsoft.com/office/powerpoint/2010/main" val="1285924125"/>
+      </p:ext>
+    </p:extLst>
+  </p:cSld>
+  <p:clrMapOvr>
+    <a:masterClrMapping/>
+  </p:clrMapOvr>
+</p:sld>
+</file>
+
+<file path=ppt/slides/slide12.xml><?xml version="1.0" encoding="utf-8"?>
+<p:sld xmlns:a="http://schemas.openxmlformats.org/drawingml/2006/main" xmlns:r="http://schemas.openxmlformats.org/officeDocument/2006/relationships" xmlns:p="http://schemas.openxmlformats.org/presentationml/2006/main">
+  <p:cSld>
+    <p:spTree>
+      <p:nvGrpSpPr>
+        <p:cNvPr id="1" name=""/>
+        <p:cNvGrpSpPr/>
+        <p:nvPr/>
+      </p:nvGrpSpPr>
+      <p:grpSpPr>
+        <a:xfrm>
+          <a:off x="0" y="0"/>
+          <a:ext cx="0" cy="0"/>
+          <a:chOff x="0" y="0"/>
+          <a:chExt cx="0" cy="0"/>
+        </a:xfrm>
+      </p:grpSpPr>
+      <p:sp>
+        <p:nvSpPr>
+          <p:cNvPr id="3" name="Title 2">
+            <a:extLst>
+              <a:ext uri="{FF2B5EF4-FFF2-40B4-BE49-F238E27FC236}">
+                <a16:creationId xmlns:a16="http://schemas.microsoft.com/office/drawing/2014/main" id="{EE078754-30AA-4C20-8335-D87A47D7E33D}"/>
+              </a:ext>
+            </a:extLst>
+          </p:cNvPr>
+          <p:cNvSpPr>
+            <a:spLocks noGrp="1"/>
+          </p:cNvSpPr>
+          <p:nvPr>
+            <p:ph type="title"/>
+          </p:nvPr>
+        </p:nvSpPr>
+        <p:spPr/>
+        <p:txBody>
+          <a:bodyPr/>
+          <a:lstStyle/>
+          <a:p>
+            <a:r>
+              <a:rPr lang="en-US" dirty="0"/>
+              <a:t>Typical Booth Workflow</a:t>
+            </a:r>
+          </a:p>
+        </p:txBody>
+      </p:sp>
+      <p:sp>
+        <p:nvSpPr>
+          <p:cNvPr id="2" name="Slide Number Placeholder 1">
+            <a:extLst>
+              <a:ext uri="{FF2B5EF4-FFF2-40B4-BE49-F238E27FC236}">
+                <a16:creationId xmlns:a16="http://schemas.microsoft.com/office/drawing/2014/main" id="{B93A5DA5-FF98-4920-B370-FF24EA2D0034}"/>
+              </a:ext>
+            </a:extLst>
+          </p:cNvPr>
+          <p:cNvSpPr>
+            <a:spLocks noGrp="1"/>
+          </p:cNvSpPr>
+          <p:nvPr>
+            <p:ph type="sldNum" idx="12"/>
+          </p:nvPr>
+        </p:nvSpPr>
+        <p:spPr/>
+        <p:txBody>
+          <a:bodyPr/>
+          <a:lstStyle/>
+          <a:p>
+            <a:pPr marL="0" lvl="0" indent="0">
+              <a:spcBef>
+                <a:spcPts val="0"/>
+              </a:spcBef>
+              <a:spcAft>
+                <a:spcPts val="0"/>
+              </a:spcAft>
+              <a:buNone/>
+            </a:pPr>
+            <a:fld id="{00000000-1234-1234-1234-123412341234}" type="slidenum">
+              <a:rPr lang="en-US" smtClean="0"/>
+              <a:t>12</a:t>
+            </a:fld>
+            <a:endParaRPr lang="en-US"/>
+          </a:p>
+        </p:txBody>
+      </p:sp>
+    </p:spTree>
+    <p:extLst>
+      <p:ext uri="{BB962C8B-B14F-4D97-AF65-F5344CB8AC3E}">
+        <p14:creationId xmlns:p14="http://schemas.microsoft.com/office/powerpoint/2010/main" val="2449432299"/>
+      </p:ext>
+    </p:extLst>
+  </p:cSld>
+  <p:clrMapOvr>
+    <a:masterClrMapping/>
+  </p:clrMapOvr>
+</p:sld>
+</file>
+
+<file path=ppt/slides/slide13.xml><?xml version="1.0" encoding="utf-8"?>
+<p:sld xmlns:a="http://schemas.openxmlformats.org/drawingml/2006/main" xmlns:r="http://schemas.openxmlformats.org/officeDocument/2006/relationships" xmlns:p="http://schemas.openxmlformats.org/presentationml/2006/main">
+  <p:cSld>
+    <p:spTree>
+      <p:nvGrpSpPr>
+        <p:cNvPr id="1" name="Shape 95"/>
+        <p:cNvGrpSpPr/>
+        <p:nvPr/>
+      </p:nvGrpSpPr>
+      <p:grpSpPr>
+        <a:xfrm>
+          <a:off x="0" y="0"/>
+          <a:ext cx="0" cy="0"/>
+          <a:chOff x="0" y="0"/>
+          <a:chExt cx="0" cy="0"/>
+        </a:xfrm>
+      </p:grpSpPr>
+      <p:sp>
+        <p:nvSpPr>
+          <p:cNvPr id="96" name="Shape 96"/>
+          <p:cNvSpPr txBox="1"/>
+          <p:nvPr/>
+        </p:nvSpPr>
+        <p:spPr>
+          <a:xfrm>
+            <a:off x="4343400" y="6172200"/>
+            <a:ext cx="457200" cy="457200"/>
+          </a:xfrm>
+          <a:prstGeom prst="rect">
+            <a:avLst/>
+          </a:prstGeom>
+          <a:noFill/>
+          <a:ln>
+            <a:noFill/>
+          </a:ln>
+        </p:spPr>
+        <p:txBody>
+          <a:bodyPr spcFirstLastPara="1" wrap="square" lIns="91425" tIns="45700" rIns="91425" bIns="45700" anchor="t" anchorCtr="0">
+            <a:noAutofit/>
+          </a:bodyPr>
+          <a:lstStyle/>
+          <a:p>
+            <a:pPr marL="0" marR="0" lvl="0" indent="0" algn="ctr" rtl="0">
+              <a:spcBef>
+                <a:spcPts val="0"/>
+              </a:spcBef>
+              <a:spcAft>
+                <a:spcPts val="0"/>
+              </a:spcAft>
+              <a:buNone/>
+            </a:pPr>
+            <a:fld id="{00000000-1234-1234-1234-123412341234}" type="slidenum">
+              <a:rPr lang="en-US" sz="1000">
+                <a:solidFill>
+                  <a:schemeClr val="dk1"/>
+                </a:solidFill>
+                <a:latin typeface="Arial"/>
+                <a:ea typeface="Arial"/>
+                <a:cs typeface="Arial"/>
+                <a:sym typeface="Arial"/>
+              </a:rPr>
+              <a:t>13</a:t>
+            </a:fld>
+            <a:endParaRPr sz="1000">
+              <a:solidFill>
+                <a:schemeClr val="dk1"/>
+              </a:solidFill>
+              <a:latin typeface="Arial"/>
+              <a:ea typeface="Arial"/>
+              <a:cs typeface="Arial"/>
+              <a:sym typeface="Arial"/>
+            </a:endParaRPr>
+          </a:p>
+        </p:txBody>
+      </p:sp>
+      <p:sp>
+        <p:nvSpPr>
+          <p:cNvPr id="97" name="Shape 97"/>
+          <p:cNvSpPr txBox="1"/>
+          <p:nvPr/>
+        </p:nvSpPr>
+        <p:spPr>
+          <a:xfrm>
+            <a:off x="381000" y="223650"/>
+            <a:ext cx="8382000" cy="457200"/>
+          </a:xfrm>
+          <a:prstGeom prst="rect">
+            <a:avLst/>
+          </a:prstGeom>
+          <a:noFill/>
+          <a:ln>
+            <a:noFill/>
+          </a:ln>
+        </p:spPr>
+        <p:txBody>
+          <a:bodyPr spcFirstLastPara="1" wrap="square" lIns="91425" tIns="45700" rIns="91425" bIns="45700" anchor="t" anchorCtr="0">
+            <a:noAutofit/>
+          </a:bodyPr>
+          <a:lstStyle/>
+          <a:p>
+            <a:pPr marL="0" marR="0" lvl="0" indent="0" algn="l" rtl="0">
+              <a:spcBef>
+                <a:spcPts val="0"/>
+              </a:spcBef>
+              <a:spcAft>
+                <a:spcPts val="0"/>
+              </a:spcAft>
+              <a:buNone/>
+            </a:pPr>
+            <a:r>
+              <a:rPr lang="en-US" sz="2400" b="1" dirty="0">
+                <a:solidFill>
+                  <a:srgbClr val="820009"/>
+                </a:solidFill>
+                <a:latin typeface="Arial"/>
+                <a:ea typeface="Arial"/>
+                <a:cs typeface="Arial"/>
+                <a:sym typeface="Arial"/>
+              </a:rPr>
+              <a:t>B</a:t>
+            </a:r>
+            <a:r>
+              <a:rPr lang="en-US" sz="2400" b="1" dirty="0">
+                <a:solidFill>
+                  <a:srgbClr val="820009"/>
+                </a:solidFill>
+              </a:rPr>
+              <a:t>ooth Workflow</a:t>
+            </a:r>
+            <a:endParaRPr sz="2400" b="1" dirty="0">
+              <a:solidFill>
+                <a:srgbClr val="820009"/>
+              </a:solidFill>
+              <a:latin typeface="Arial"/>
+              <a:ea typeface="Arial"/>
+              <a:cs typeface="Arial"/>
+              <a:sym typeface="Arial"/>
+            </a:endParaRPr>
+          </a:p>
+        </p:txBody>
+      </p:sp>
+      <p:graphicFrame>
+        <p:nvGraphicFramePr>
+          <p:cNvPr id="99" name="Shape 99"/>
+          <p:cNvGraphicFramePr/>
+          <p:nvPr/>
+        </p:nvGraphicFramePr>
+        <p:xfrm>
+          <a:off x="5623560" y="560070"/>
+          <a:ext cx="208300" cy="365770"/>
+        </p:xfrm>
+        <a:graphic>
+          <a:graphicData uri="http://schemas.openxmlformats.org/drawingml/2006/table">
+            <a:tbl>
+              <a:tblPr>
+                <a:noFill/>
+                <a:tableStyleId>{3E517AEF-C05D-40B9-8274-1AED4C133E0D}</a:tableStyleId>
+              </a:tblPr>
+              <a:tblGrid>
+                <a:gridCol w="208300">
+                  <a:extLst>
+                    <a:ext uri="{9D8B030D-6E8A-4147-A177-3AD203B41FA5}">
+                      <a16:colId xmlns:a16="http://schemas.microsoft.com/office/drawing/2014/main" val="20000"/>
+                    </a:ext>
+                  </a:extLst>
+                </a:gridCol>
+              </a:tblGrid>
+              <a:tr h="0">
+                <a:tc>
+                  <a:txBody>
+                    <a:bodyPr/>
+                    <a:lstStyle/>
+                    <a:p>
+                      <a:pPr marL="0" marR="0" lvl="0" indent="0" algn="l" rtl="0">
+                        <a:spcBef>
+                          <a:spcPts val="0"/>
+                        </a:spcBef>
+                        <a:spcAft>
+                          <a:spcPts val="0"/>
+                        </a:spcAft>
+                        <a:buNone/>
+                      </a:pPr>
+                      <a:endParaRPr sz="1800"/>
+                    </a:p>
+                  </a:txBody>
+                  <a:tcPr marL="91450" marR="91450" marT="45725" marB="45725">
+                    <a:lnL w="9525" cap="flat" cmpd="sng">
+                      <a:solidFill>
+                        <a:srgbClr val="000000">
+                          <a:alpha val="0"/>
+                        </a:srgbClr>
+                      </a:solidFill>
+                      <a:prstDash val="solid"/>
+                      <a:round/>
+                      <a:headEnd type="none" w="sm" len="sm"/>
+                      <a:tailEnd type="none" w="sm" len="sm"/>
+                    </a:lnL>
+                    <a:lnR w="9525" cap="flat" cmpd="sng">
+                      <a:solidFill>
+                        <a:srgbClr val="000000">
+                          <a:alpha val="0"/>
+                        </a:srgbClr>
+                      </a:solidFill>
+                      <a:prstDash val="solid"/>
+                      <a:round/>
+                      <a:headEnd type="none" w="sm" len="sm"/>
+                      <a:tailEnd type="none" w="sm" len="sm"/>
+                    </a:lnR>
+                    <a:lnT w="9525" cap="flat" cmpd="sng">
+                      <a:solidFill>
+                        <a:srgbClr val="000000">
+                          <a:alpha val="0"/>
+                        </a:srgbClr>
+                      </a:solidFill>
+                      <a:prstDash val="solid"/>
+                      <a:round/>
+                      <a:headEnd type="none" w="sm" len="sm"/>
+                      <a:tailEnd type="none" w="sm" len="sm"/>
+                    </a:lnT>
+                    <a:lnB w="9525" cap="flat" cmpd="sng">
+                      <a:solidFill>
+                        <a:srgbClr val="000000">
+                          <a:alpha val="0"/>
+                        </a:srgbClr>
+                      </a:solidFill>
+                      <a:prstDash val="solid"/>
+                      <a:round/>
+                      <a:headEnd type="none" w="sm" len="sm"/>
+                      <a:tailEnd type="none" w="sm" len="sm"/>
+                    </a:lnB>
+                  </a:tcPr>
+                </a:tc>
+                <a:extLst>
+                  <a:ext uri="{0D108BD9-81ED-4DB2-BD59-A6C34878D82A}">
+                    <a16:rowId xmlns:a16="http://schemas.microsoft.com/office/drawing/2014/main" val="10000"/>
+                  </a:ext>
+                </a:extLst>
+              </a:tr>
+            </a:tbl>
+          </a:graphicData>
+        </a:graphic>
+      </p:graphicFrame>
+      <p:sp>
+        <p:nvSpPr>
+          <p:cNvPr id="13" name="TextBox 12">
+            <a:extLst>
+              <a:ext uri="{FF2B5EF4-FFF2-40B4-BE49-F238E27FC236}">
+                <a16:creationId xmlns:a16="http://schemas.microsoft.com/office/drawing/2014/main" id="{ACF42617-C7EF-4C36-BE92-38358AA79415}"/>
+              </a:ext>
+            </a:extLst>
+          </p:cNvPr>
+          <p:cNvSpPr txBox="1"/>
+          <p:nvPr/>
+        </p:nvSpPr>
+        <p:spPr>
+          <a:xfrm>
+            <a:off x="473697" y="1017270"/>
+            <a:ext cx="7917083" cy="4247317"/>
+          </a:xfrm>
+          <a:prstGeom prst="rect">
+            <a:avLst/>
+          </a:prstGeom>
+          <a:noFill/>
+        </p:spPr>
+        <p:txBody>
+          <a:bodyPr wrap="square" rtlCol="0">
+            <a:spAutoFit/>
+          </a:bodyPr>
+          <a:lstStyle/>
+          <a:p>
+            <a:pPr marL="514350" indent="-514350">
+              <a:buFont typeface="+mj-lt"/>
+              <a:buAutoNum type="arabicPeriod"/>
+            </a:pPr>
+            <a:r>
+              <a:rPr lang="en-US" sz="3000" dirty="0"/>
+              <a:t>Read in data</a:t>
+            </a:r>
+          </a:p>
+          <a:p>
+            <a:pPr marL="514350" indent="-514350">
+              <a:buFont typeface="+mj-lt"/>
+              <a:buAutoNum type="arabicPeriod"/>
+            </a:pPr>
+            <a:r>
+              <a:rPr lang="en-US" sz="3000" dirty="0"/>
+              <a:t>Check data – List variables, their type, range, number of </a:t>
+            </a:r>
+            <a:r>
+              <a:rPr lang="en-US" sz="3000" dirty="0" err="1"/>
+              <a:t>missings</a:t>
+            </a:r>
+            <a:r>
+              <a:rPr lang="en-US" sz="3000" dirty="0"/>
+              <a:t>, plot distribution, descriptive statistics, etc.</a:t>
+            </a:r>
+          </a:p>
+          <a:p>
+            <a:pPr marL="514350" indent="-514350">
+              <a:buFont typeface="+mj-lt"/>
+              <a:buAutoNum type="arabicPeriod"/>
+            </a:pPr>
+            <a:r>
+              <a:rPr lang="en-US" sz="3000" dirty="0"/>
+              <a:t>Clean data – Resolve </a:t>
+            </a:r>
+            <a:r>
+              <a:rPr lang="en-US" sz="3000" dirty="0" err="1"/>
+              <a:t>missings</a:t>
+            </a:r>
+            <a:r>
+              <a:rPr lang="en-US" sz="3000" dirty="0"/>
+              <a:t>, transform variables, etc.</a:t>
+            </a:r>
+          </a:p>
+          <a:p>
+            <a:pPr marL="514350" indent="-514350">
+              <a:buFont typeface="+mj-lt"/>
+              <a:buAutoNum type="arabicPeriod"/>
+            </a:pPr>
+            <a:r>
+              <a:rPr lang="en-US" sz="3000" dirty="0"/>
+              <a:t>Test models – Check significance, residuals, goodness of fit, etc.</a:t>
+            </a:r>
+          </a:p>
+          <a:p>
+            <a:pPr marL="514350" indent="-514350">
+              <a:buFont typeface="+mj-lt"/>
+              <a:buAutoNum type="arabicPeriod"/>
+            </a:pPr>
+            <a:r>
+              <a:rPr lang="en-US" sz="3000" dirty="0"/>
+              <a:t>Visualize data</a:t>
+            </a:r>
+          </a:p>
+        </p:txBody>
+      </p:sp>
+    </p:spTree>
+    <p:extLst>
+      <p:ext uri="{BB962C8B-B14F-4D97-AF65-F5344CB8AC3E}">
+        <p14:creationId xmlns:p14="http://schemas.microsoft.com/office/powerpoint/2010/main" val="3636573115"/>
+      </p:ext>
+    </p:extLst>
+  </p:cSld>
+  <p:clrMapOvr>
+    <a:masterClrMapping/>
+  </p:clrMapOvr>
+</p:sld>
+</file>
+
+<file path=ppt/slides/slide14.xml><?xml version="1.0" encoding="utf-8"?>
+<p:sld xmlns:a="http://schemas.openxmlformats.org/drawingml/2006/main" xmlns:r="http://schemas.openxmlformats.org/officeDocument/2006/relationships" xmlns:p="http://schemas.openxmlformats.org/presentationml/2006/main">
+  <p:cSld>
+    <p:spTree>
+      <p:nvGrpSpPr>
+        <p:cNvPr id="1" name="Shape 95"/>
+        <p:cNvGrpSpPr/>
+        <p:nvPr/>
+      </p:nvGrpSpPr>
+      <p:grpSpPr>
+        <a:xfrm>
+          <a:off x="0" y="0"/>
+          <a:ext cx="0" cy="0"/>
+          <a:chOff x="0" y="0"/>
+          <a:chExt cx="0" cy="0"/>
+        </a:xfrm>
+      </p:grpSpPr>
+      <p:sp>
+        <p:nvSpPr>
+          <p:cNvPr id="96" name="Shape 96"/>
+          <p:cNvSpPr txBox="1"/>
+          <p:nvPr/>
+        </p:nvSpPr>
+        <p:spPr>
+          <a:xfrm>
+            <a:off x="4343400" y="6172200"/>
+            <a:ext cx="457200" cy="457200"/>
+          </a:xfrm>
+          <a:prstGeom prst="rect">
+            <a:avLst/>
+          </a:prstGeom>
+          <a:noFill/>
+          <a:ln>
+            <a:noFill/>
+          </a:ln>
+        </p:spPr>
+        <p:txBody>
+          <a:bodyPr spcFirstLastPara="1" wrap="square" lIns="91425" tIns="45700" rIns="91425" bIns="45700" anchor="t" anchorCtr="0">
+            <a:noAutofit/>
+          </a:bodyPr>
+          <a:lstStyle/>
+          <a:p>
+            <a:pPr marL="0" marR="0" lvl="0" indent="0" algn="ctr" rtl="0">
+              <a:spcBef>
+                <a:spcPts val="0"/>
+              </a:spcBef>
+              <a:spcAft>
+                <a:spcPts val="0"/>
+              </a:spcAft>
+              <a:buNone/>
+            </a:pPr>
+            <a:fld id="{00000000-1234-1234-1234-123412341234}" type="slidenum">
+              <a:rPr lang="en-US" sz="1000">
+                <a:solidFill>
+                  <a:schemeClr val="dk1"/>
+                </a:solidFill>
+                <a:latin typeface="Arial"/>
+                <a:ea typeface="Arial"/>
+                <a:cs typeface="Arial"/>
+                <a:sym typeface="Arial"/>
+              </a:rPr>
+              <a:t>14</a:t>
+            </a:fld>
+            <a:endParaRPr sz="1000">
+              <a:solidFill>
+                <a:schemeClr val="dk1"/>
+              </a:solidFill>
+              <a:latin typeface="Arial"/>
+              <a:ea typeface="Arial"/>
+              <a:cs typeface="Arial"/>
+              <a:sym typeface="Arial"/>
+            </a:endParaRPr>
+          </a:p>
+        </p:txBody>
+      </p:sp>
+      <p:sp>
+        <p:nvSpPr>
+          <p:cNvPr id="97" name="Shape 97"/>
+          <p:cNvSpPr txBox="1"/>
+          <p:nvPr/>
+        </p:nvSpPr>
+        <p:spPr>
+          <a:xfrm>
+            <a:off x="381000" y="223650"/>
+            <a:ext cx="8382000" cy="457200"/>
+          </a:xfrm>
+          <a:prstGeom prst="rect">
+            <a:avLst/>
+          </a:prstGeom>
+          <a:noFill/>
+          <a:ln>
+            <a:noFill/>
+          </a:ln>
+        </p:spPr>
+        <p:txBody>
+          <a:bodyPr spcFirstLastPara="1" wrap="square" lIns="91425" tIns="45700" rIns="91425" bIns="45700" anchor="t" anchorCtr="0">
+            <a:noAutofit/>
+          </a:bodyPr>
+          <a:lstStyle/>
+          <a:p>
+            <a:pPr marL="0" marR="0" lvl="0" indent="0" algn="l" rtl="0">
+              <a:spcBef>
+                <a:spcPts val="0"/>
+              </a:spcBef>
+              <a:spcAft>
+                <a:spcPts val="0"/>
+              </a:spcAft>
+              <a:buNone/>
+            </a:pPr>
+            <a:r>
+              <a:rPr lang="en-US" sz="2400" b="1" dirty="0">
+                <a:solidFill>
+                  <a:srgbClr val="820009"/>
+                </a:solidFill>
+                <a:latin typeface="Arial"/>
+                <a:ea typeface="Arial"/>
+                <a:cs typeface="Arial"/>
+                <a:sym typeface="Arial"/>
+              </a:rPr>
+              <a:t>Lets Jump into R!</a:t>
+            </a:r>
+            <a:endParaRPr sz="2400" b="1" dirty="0">
+              <a:solidFill>
+                <a:srgbClr val="820009"/>
+              </a:solidFill>
+              <a:latin typeface="Arial"/>
+              <a:ea typeface="Arial"/>
+              <a:cs typeface="Arial"/>
+              <a:sym typeface="Arial"/>
+            </a:endParaRPr>
+          </a:p>
+        </p:txBody>
+      </p:sp>
+      <p:graphicFrame>
+        <p:nvGraphicFramePr>
+          <p:cNvPr id="99" name="Shape 99"/>
+          <p:cNvGraphicFramePr/>
+          <p:nvPr/>
+        </p:nvGraphicFramePr>
+        <p:xfrm>
+          <a:off x="5623560" y="560070"/>
+          <a:ext cx="208300" cy="365770"/>
+        </p:xfrm>
+        <a:graphic>
+          <a:graphicData uri="http://schemas.openxmlformats.org/drawingml/2006/table">
+            <a:tbl>
+              <a:tblPr>
+                <a:noFill/>
+                <a:tableStyleId>{3E517AEF-C05D-40B9-8274-1AED4C133E0D}</a:tableStyleId>
+              </a:tblPr>
+              <a:tblGrid>
+                <a:gridCol w="208300">
+                  <a:extLst>
+                    <a:ext uri="{9D8B030D-6E8A-4147-A177-3AD203B41FA5}">
+                      <a16:colId xmlns:a16="http://schemas.microsoft.com/office/drawing/2014/main" val="20000"/>
+                    </a:ext>
+                  </a:extLst>
+                </a:gridCol>
+              </a:tblGrid>
+              <a:tr h="0">
+                <a:tc>
+                  <a:txBody>
+                    <a:bodyPr/>
+                    <a:lstStyle/>
+                    <a:p>
+                      <a:pPr marL="0" marR="0" lvl="0" indent="0" algn="l" rtl="0">
+                        <a:spcBef>
+                          <a:spcPts val="0"/>
+                        </a:spcBef>
+                        <a:spcAft>
+                          <a:spcPts val="0"/>
+                        </a:spcAft>
+                        <a:buNone/>
+                      </a:pPr>
+                      <a:endParaRPr sz="1800"/>
+                    </a:p>
+                  </a:txBody>
+                  <a:tcPr marL="91450" marR="91450" marT="45725" marB="45725">
+                    <a:lnL w="9525" cap="flat" cmpd="sng">
+                      <a:solidFill>
+                        <a:srgbClr val="000000">
+                          <a:alpha val="0"/>
+                        </a:srgbClr>
+                      </a:solidFill>
+                      <a:prstDash val="solid"/>
+                      <a:round/>
+                      <a:headEnd type="none" w="sm" len="sm"/>
+                      <a:tailEnd type="none" w="sm" len="sm"/>
+                    </a:lnL>
+                    <a:lnR w="9525" cap="flat" cmpd="sng">
+                      <a:solidFill>
+                        <a:srgbClr val="000000">
+                          <a:alpha val="0"/>
+                        </a:srgbClr>
+                      </a:solidFill>
+                      <a:prstDash val="solid"/>
+                      <a:round/>
+                      <a:headEnd type="none" w="sm" len="sm"/>
+                      <a:tailEnd type="none" w="sm" len="sm"/>
+                    </a:lnR>
+                    <a:lnT w="9525" cap="flat" cmpd="sng">
+                      <a:solidFill>
+                        <a:srgbClr val="000000">
+                          <a:alpha val="0"/>
+                        </a:srgbClr>
+                      </a:solidFill>
+                      <a:prstDash val="solid"/>
+                      <a:round/>
+                      <a:headEnd type="none" w="sm" len="sm"/>
+                      <a:tailEnd type="none" w="sm" len="sm"/>
+                    </a:lnT>
+                    <a:lnB w="9525" cap="flat" cmpd="sng">
+                      <a:solidFill>
+                        <a:srgbClr val="000000">
+                          <a:alpha val="0"/>
+                        </a:srgbClr>
+                      </a:solidFill>
+                      <a:prstDash val="solid"/>
+                      <a:round/>
+                      <a:headEnd type="none" w="sm" len="sm"/>
+                      <a:tailEnd type="none" w="sm" len="sm"/>
+                    </a:lnB>
+                  </a:tcPr>
+                </a:tc>
+                <a:extLst>
+                  <a:ext uri="{0D108BD9-81ED-4DB2-BD59-A6C34878D82A}">
+                    <a16:rowId xmlns:a16="http://schemas.microsoft.com/office/drawing/2014/main" val="10000"/>
+                  </a:ext>
+                </a:extLst>
+              </a:tr>
+            </a:tbl>
+          </a:graphicData>
+        </a:graphic>
+      </p:graphicFrame>
+      <p:sp>
+        <p:nvSpPr>
+          <p:cNvPr id="13" name="TextBox 12">
+            <a:extLst>
+              <a:ext uri="{FF2B5EF4-FFF2-40B4-BE49-F238E27FC236}">
+                <a16:creationId xmlns:a16="http://schemas.microsoft.com/office/drawing/2014/main" id="{ACF42617-C7EF-4C36-BE92-38358AA79415}"/>
+              </a:ext>
+            </a:extLst>
+          </p:cNvPr>
+          <p:cNvSpPr txBox="1"/>
+          <p:nvPr/>
+        </p:nvSpPr>
+        <p:spPr>
+          <a:xfrm>
+            <a:off x="473697" y="1017270"/>
+            <a:ext cx="7917083" cy="707886"/>
+          </a:xfrm>
+          <a:prstGeom prst="rect">
+            <a:avLst/>
+          </a:prstGeom>
+          <a:noFill/>
+        </p:spPr>
+        <p:txBody>
+          <a:bodyPr wrap="square" rtlCol="0">
+            <a:spAutoFit/>
+          </a:bodyPr>
+          <a:lstStyle/>
+          <a:p>
+            <a:r>
+              <a:rPr lang="en-US" sz="2000" dirty="0"/>
+              <a:t>If you ever need to revisit these concepts, you can download the R Markdown file that we’re about to work through here: </a:t>
+            </a:r>
+          </a:p>
+        </p:txBody>
+      </p:sp>
+      <p:pic>
+        <p:nvPicPr>
+          <p:cNvPr id="2" name="Picture 1">
+            <a:extLst>
+              <a:ext uri="{FF2B5EF4-FFF2-40B4-BE49-F238E27FC236}">
+                <a16:creationId xmlns:a16="http://schemas.microsoft.com/office/drawing/2014/main" id="{9DB12070-5BC8-45AE-B344-B05036FE8D80}"/>
+              </a:ext>
+            </a:extLst>
+          </p:cNvPr>
+          <p:cNvPicPr>
+            <a:picLocks noChangeAspect="1"/>
+          </p:cNvPicPr>
+          <p:nvPr/>
+        </p:nvPicPr>
+        <p:blipFill>
+          <a:blip r:embed="rId3"/>
+          <a:stretch>
+            <a:fillRect/>
+          </a:stretch>
+        </p:blipFill>
+        <p:spPr>
+          <a:xfrm>
+            <a:off x="1779494" y="2039200"/>
+            <a:ext cx="5585012" cy="3818956"/>
+          </a:xfrm>
+          <a:prstGeom prst="rect">
+            <a:avLst/>
+          </a:prstGeom>
+        </p:spPr>
+      </p:pic>
+      <p:sp>
+        <p:nvSpPr>
+          <p:cNvPr id="8" name="Rectangle 7">
+            <a:extLst>
+              <a:ext uri="{FF2B5EF4-FFF2-40B4-BE49-F238E27FC236}">
+                <a16:creationId xmlns:a16="http://schemas.microsoft.com/office/drawing/2014/main" id="{9AC17275-5B98-40E1-A69B-11FBFFDF3675}"/>
+              </a:ext>
+            </a:extLst>
+          </p:cNvPr>
+          <p:cNvSpPr/>
+          <p:nvPr/>
+        </p:nvSpPr>
+        <p:spPr>
+          <a:xfrm>
+            <a:off x="1779494" y="4162770"/>
+            <a:ext cx="1078630" cy="149254"/>
+          </a:xfrm>
+          <a:prstGeom prst="rect">
+            <a:avLst/>
+          </a:prstGeom>
+          <a:noFill/>
+          <a:ln>
+            <a:solidFill>
+              <a:srgbClr val="FF0000"/>
+            </a:solidFill>
+          </a:ln>
+        </p:spPr>
+        <p:style>
+          <a:lnRef idx="2">
+            <a:schemeClr val="accent1">
+              <a:shade val="50000"/>
+            </a:schemeClr>
+          </a:lnRef>
+          <a:fillRef idx="1">
+            <a:schemeClr val="accent1"/>
+          </a:fillRef>
+          <a:effectRef idx="0">
+            <a:schemeClr val="accent1"/>
+          </a:effectRef>
+          <a:fontRef idx="minor">
+            <a:schemeClr val="lt1"/>
+          </a:fontRef>
+        </p:style>
+        <p:txBody>
+          <a:bodyPr rtlCol="0" anchor="ctr"/>
+          <a:lstStyle/>
+          <a:p>
+            <a:pPr algn="ctr"/>
+            <a:endParaRPr lang="en-US"/>
+          </a:p>
+        </p:txBody>
+      </p:sp>
+    </p:spTree>
+    <p:extLst>
+      <p:ext uri="{BB962C8B-B14F-4D97-AF65-F5344CB8AC3E}">
+        <p14:creationId xmlns:p14="http://schemas.microsoft.com/office/powerpoint/2010/main" val="1672568788"/>
+      </p:ext>
+    </p:extLst>
+  </p:cSld>
+  <p:clrMapOvr>
+    <a:masterClrMapping/>
+  </p:clrMapOvr>
+</p:sld>
+</file>
+
+<file path=ppt/slides/slide15.xml><?xml version="1.0" encoding="utf-8"?>
+<p:sld xmlns:a="http://schemas.openxmlformats.org/drawingml/2006/main" xmlns:r="http://schemas.openxmlformats.org/officeDocument/2006/relationships" xmlns:p="http://schemas.openxmlformats.org/presentationml/2006/main">
+  <p:cSld>
+    <p:spTree>
+      <p:nvGrpSpPr>
+        <p:cNvPr id="1" name="Shape 95"/>
+        <p:cNvGrpSpPr/>
+        <p:nvPr/>
+      </p:nvGrpSpPr>
+      <p:grpSpPr>
+        <a:xfrm>
+          <a:off x="0" y="0"/>
+          <a:ext cx="0" cy="0"/>
+          <a:chOff x="0" y="0"/>
+          <a:chExt cx="0" cy="0"/>
+        </a:xfrm>
+      </p:grpSpPr>
+      <p:sp>
+        <p:nvSpPr>
+          <p:cNvPr id="96" name="Shape 96"/>
+          <p:cNvSpPr txBox="1"/>
+          <p:nvPr/>
+        </p:nvSpPr>
+        <p:spPr>
+          <a:xfrm>
+            <a:off x="4343400" y="6172200"/>
+            <a:ext cx="457200" cy="457200"/>
+          </a:xfrm>
+          <a:prstGeom prst="rect">
+            <a:avLst/>
+          </a:prstGeom>
+          <a:noFill/>
+          <a:ln>
+            <a:noFill/>
+          </a:ln>
+        </p:spPr>
+        <p:txBody>
+          <a:bodyPr spcFirstLastPara="1" wrap="square" lIns="91425" tIns="45700" rIns="91425" bIns="45700" anchor="t" anchorCtr="0">
+            <a:noAutofit/>
+          </a:bodyPr>
+          <a:lstStyle/>
+          <a:p>
+            <a:pPr marL="0" marR="0" lvl="0" indent="0" algn="ctr" rtl="0">
+              <a:spcBef>
+                <a:spcPts val="0"/>
+              </a:spcBef>
+              <a:spcAft>
+                <a:spcPts val="0"/>
+              </a:spcAft>
+              <a:buNone/>
+            </a:pPr>
+            <a:fld id="{00000000-1234-1234-1234-123412341234}" type="slidenum">
+              <a:rPr lang="en-US" sz="1000">
+                <a:solidFill>
+                  <a:schemeClr val="dk1"/>
+                </a:solidFill>
+                <a:latin typeface="Arial"/>
+                <a:ea typeface="Arial"/>
+                <a:cs typeface="Arial"/>
+                <a:sym typeface="Arial"/>
+              </a:rPr>
+              <a:t>15</a:t>
+            </a:fld>
+            <a:endParaRPr sz="1000">
+              <a:solidFill>
+                <a:schemeClr val="dk1"/>
+              </a:solidFill>
+              <a:latin typeface="Arial"/>
+              <a:ea typeface="Arial"/>
+              <a:cs typeface="Arial"/>
+              <a:sym typeface="Arial"/>
+            </a:endParaRPr>
+          </a:p>
+        </p:txBody>
+      </p:sp>
+      <p:sp>
+        <p:nvSpPr>
+          <p:cNvPr id="97" name="Shape 97"/>
+          <p:cNvSpPr txBox="1"/>
+          <p:nvPr/>
+        </p:nvSpPr>
+        <p:spPr>
+          <a:xfrm>
+            <a:off x="381000" y="223650"/>
+            <a:ext cx="8382000" cy="457200"/>
+          </a:xfrm>
+          <a:prstGeom prst="rect">
+            <a:avLst/>
+          </a:prstGeom>
+          <a:noFill/>
+          <a:ln>
+            <a:noFill/>
+          </a:ln>
+        </p:spPr>
+        <p:txBody>
+          <a:bodyPr spcFirstLastPara="1" wrap="square" lIns="91425" tIns="45700" rIns="91425" bIns="45700" anchor="t" anchorCtr="0">
+            <a:noAutofit/>
+          </a:bodyPr>
+          <a:lstStyle/>
+          <a:p>
+            <a:pPr marL="0" marR="0" lvl="0" indent="0" algn="l" rtl="0">
+              <a:spcBef>
+                <a:spcPts val="0"/>
+              </a:spcBef>
+              <a:spcAft>
+                <a:spcPts val="0"/>
+              </a:spcAft>
+              <a:buNone/>
+            </a:pPr>
+            <a:r>
+              <a:rPr lang="en-US" sz="2400" b="1" dirty="0">
+                <a:solidFill>
+                  <a:srgbClr val="820009"/>
+                </a:solidFill>
+                <a:latin typeface="Arial"/>
+                <a:ea typeface="Arial"/>
+                <a:cs typeface="Arial"/>
+                <a:sym typeface="Arial"/>
+              </a:rPr>
+              <a:t>More Resources</a:t>
+            </a:r>
+            <a:endParaRPr sz="2400" b="1" dirty="0">
+              <a:solidFill>
+                <a:srgbClr val="820009"/>
+              </a:solidFill>
+              <a:latin typeface="Arial"/>
+              <a:ea typeface="Arial"/>
+              <a:cs typeface="Arial"/>
+              <a:sym typeface="Arial"/>
+            </a:endParaRPr>
+          </a:p>
+        </p:txBody>
+      </p:sp>
+      <p:graphicFrame>
+        <p:nvGraphicFramePr>
+          <p:cNvPr id="99" name="Shape 99"/>
+          <p:cNvGraphicFramePr/>
+          <p:nvPr/>
+        </p:nvGraphicFramePr>
+        <p:xfrm>
+          <a:off x="5623560" y="560070"/>
+          <a:ext cx="208300" cy="365770"/>
+        </p:xfrm>
+        <a:graphic>
+          <a:graphicData uri="http://schemas.openxmlformats.org/drawingml/2006/table">
+            <a:tbl>
+              <a:tblPr>
+                <a:noFill/>
+                <a:tableStyleId>{3E517AEF-C05D-40B9-8274-1AED4C133E0D}</a:tableStyleId>
+              </a:tblPr>
+              <a:tblGrid>
+                <a:gridCol w="208300">
+                  <a:extLst>
+                    <a:ext uri="{9D8B030D-6E8A-4147-A177-3AD203B41FA5}">
+                      <a16:colId xmlns:a16="http://schemas.microsoft.com/office/drawing/2014/main" val="20000"/>
+                    </a:ext>
+                  </a:extLst>
+                </a:gridCol>
+              </a:tblGrid>
+              <a:tr h="0">
+                <a:tc>
+                  <a:txBody>
+                    <a:bodyPr/>
+                    <a:lstStyle/>
+                    <a:p>
+                      <a:pPr marL="0" marR="0" lvl="0" indent="0" algn="l" rtl="0">
+                        <a:spcBef>
+                          <a:spcPts val="0"/>
+                        </a:spcBef>
+                        <a:spcAft>
+                          <a:spcPts val="0"/>
+                        </a:spcAft>
+                        <a:buNone/>
+                      </a:pPr>
+                      <a:endParaRPr sz="1800"/>
+                    </a:p>
+                  </a:txBody>
+                  <a:tcPr marL="91450" marR="91450" marT="45725" marB="45725">
+                    <a:lnL w="9525" cap="flat" cmpd="sng">
+                      <a:solidFill>
+                        <a:srgbClr val="000000">
+                          <a:alpha val="0"/>
+                        </a:srgbClr>
+                      </a:solidFill>
+                      <a:prstDash val="solid"/>
+                      <a:round/>
+                      <a:headEnd type="none" w="sm" len="sm"/>
+                      <a:tailEnd type="none" w="sm" len="sm"/>
+                    </a:lnL>
+                    <a:lnR w="9525" cap="flat" cmpd="sng">
+                      <a:solidFill>
+                        <a:srgbClr val="000000">
+                          <a:alpha val="0"/>
+                        </a:srgbClr>
+                      </a:solidFill>
+                      <a:prstDash val="solid"/>
+                      <a:round/>
+                      <a:headEnd type="none" w="sm" len="sm"/>
+                      <a:tailEnd type="none" w="sm" len="sm"/>
+                    </a:lnR>
+                    <a:lnT w="9525" cap="flat" cmpd="sng">
+                      <a:solidFill>
+                        <a:srgbClr val="000000">
+                          <a:alpha val="0"/>
+                        </a:srgbClr>
+                      </a:solidFill>
+                      <a:prstDash val="solid"/>
+                      <a:round/>
+                      <a:headEnd type="none" w="sm" len="sm"/>
+                      <a:tailEnd type="none" w="sm" len="sm"/>
+                    </a:lnT>
+                    <a:lnB w="9525" cap="flat" cmpd="sng">
+                      <a:solidFill>
+                        <a:srgbClr val="000000">
+                          <a:alpha val="0"/>
+                        </a:srgbClr>
+                      </a:solidFill>
+                      <a:prstDash val="solid"/>
+                      <a:round/>
+                      <a:headEnd type="none" w="sm" len="sm"/>
+                      <a:tailEnd type="none" w="sm" len="sm"/>
+                    </a:lnB>
+                  </a:tcPr>
+                </a:tc>
+                <a:extLst>
+                  <a:ext uri="{0D108BD9-81ED-4DB2-BD59-A6C34878D82A}">
+                    <a16:rowId xmlns:a16="http://schemas.microsoft.com/office/drawing/2014/main" val="10000"/>
+                  </a:ext>
+                </a:extLst>
+              </a:tr>
+            </a:tbl>
+          </a:graphicData>
+        </a:graphic>
+      </p:graphicFrame>
+      <p:sp>
+        <p:nvSpPr>
+          <p:cNvPr id="9" name="TextBox 8">
+            <a:extLst>
+              <a:ext uri="{FF2B5EF4-FFF2-40B4-BE49-F238E27FC236}">
+                <a16:creationId xmlns:a16="http://schemas.microsoft.com/office/drawing/2014/main" id="{F4DF7DD2-3D15-41B5-BBF8-410230F9B214}"/>
+              </a:ext>
+            </a:extLst>
+          </p:cNvPr>
+          <p:cNvSpPr txBox="1"/>
+          <p:nvPr/>
+        </p:nvSpPr>
+        <p:spPr>
+          <a:xfrm>
+            <a:off x="384858" y="1290704"/>
+            <a:ext cx="7917083" cy="3785652"/>
+          </a:xfrm>
+          <a:prstGeom prst="rect">
+            <a:avLst/>
+          </a:prstGeom>
+          <a:noFill/>
+        </p:spPr>
+        <p:txBody>
+          <a:bodyPr wrap="square" rtlCol="0">
+            <a:spAutoFit/>
+          </a:bodyPr>
+          <a:lstStyle/>
+          <a:p>
+            <a:r>
+              <a:rPr lang="en-US" sz="3000" dirty="0">
+                <a:hlinkClick r:id="rId3"/>
+              </a:rPr>
+              <a:t>https://www.rstudio.com/resources/cheatsheets/</a:t>
+            </a:r>
+          </a:p>
+          <a:p>
+            <a:r>
+              <a:rPr lang="en-US" sz="3000" dirty="0">
+                <a:hlinkClick r:id="rId3"/>
+              </a:rPr>
+              <a:t>https://swirlstats.com/</a:t>
+            </a:r>
+            <a:endParaRPr lang="en-US" sz="3000" dirty="0"/>
+          </a:p>
+          <a:p>
+            <a:r>
+              <a:rPr lang="en-US" sz="3000" dirty="0">
+                <a:hlinkClick r:id="rId4"/>
+              </a:rPr>
+              <a:t>https://www.datacamp.com/</a:t>
+            </a:r>
+            <a:endParaRPr lang="en-US" sz="3000" dirty="0"/>
+          </a:p>
+          <a:p>
+            <a:r>
+              <a:rPr lang="en-US" sz="3000" dirty="0">
+                <a:hlinkClick r:id="rId5"/>
+              </a:rPr>
+              <a:t>http://tryr.codeschool.com/</a:t>
+            </a:r>
+            <a:r>
+              <a:rPr lang="en-US" sz="3000" dirty="0"/>
+              <a:t> </a:t>
+            </a:r>
+          </a:p>
+          <a:p>
+            <a:endParaRPr lang="en-US" sz="3000" dirty="0"/>
+          </a:p>
+          <a:p>
+            <a:r>
+              <a:rPr lang="en-US" sz="3000" dirty="0"/>
+              <a:t>Or just ask! </a:t>
+            </a:r>
+            <a:r>
+              <a:rPr lang="en-US" sz="3000" dirty="0">
+                <a:hlinkClick r:id="rId6"/>
+              </a:rPr>
+              <a:t>jmejiare@chicagobooth.edu</a:t>
+            </a:r>
+            <a:r>
+              <a:rPr lang="en-US" sz="3000" dirty="0"/>
+              <a:t> or </a:t>
+            </a:r>
+            <a:r>
+              <a:rPr lang="en-US" sz="3000" dirty="0">
+                <a:hlinkClick r:id="rId7"/>
+              </a:rPr>
+              <a:t>jmckee0@chicagobooth.edu</a:t>
+            </a:r>
+            <a:endParaRPr lang="en-US" sz="3000" dirty="0"/>
+          </a:p>
+        </p:txBody>
+      </p:sp>
+    </p:spTree>
+    <p:extLst>
+      <p:ext uri="{BB962C8B-B14F-4D97-AF65-F5344CB8AC3E}">
+        <p14:creationId xmlns:p14="http://schemas.microsoft.com/office/powerpoint/2010/main" val="690798502"/>
+      </p:ext>
+    </p:extLst>
+  </p:cSld>
+  <p:clrMapOvr>
+    <a:masterClrMapping/>
+  </p:clrMapOvr>
+</p:sld>
+</file>
+
 <file path=ppt/slides/slide2.xml><?xml version="1.0" encoding="utf-8"?>
 <p:sld xmlns:a="http://schemas.openxmlformats.org/drawingml/2006/main" xmlns:r="http://schemas.openxmlformats.org/officeDocument/2006/relationships" xmlns:p="http://schemas.openxmlformats.org/presentationml/2006/main">
   <p:cSld>
@@ -12978,19 +15670,55 @@
                 <a:cs typeface="Arial"/>
                 <a:sym typeface="Arial"/>
               </a:rPr>
-              <a:t>Downloading </a:t>
+              <a:t>R Markdown</a:t>
             </a:r>
+          </a:p>
+          <a:p>
+            <a:pPr marL="285750" marR="0" lvl="0" indent="-285750" algn="l" rtl="0">
+              <a:spcBef>
+                <a:spcPts val="0"/>
+              </a:spcBef>
+              <a:spcAft>
+                <a:spcPts val="0"/>
+              </a:spcAft>
+              <a:buClr>
+                <a:schemeClr val="dk1"/>
+              </a:buClr>
+              <a:buSzPts val="2800"/>
+              <a:buFont typeface="Arial"/>
+              <a:buChar char="•"/>
+            </a:pPr>
             <a:r>
-              <a:rPr lang="en-US" sz="2800" b="0" i="0" u="none" strike="noStrike" cap="none" dirty="0" err="1">
-                <a:solidFill>
-                  <a:schemeClr val="dk1"/>
-                </a:solidFill>
-                <a:latin typeface="Arial"/>
-                <a:ea typeface="Arial"/>
-                <a:cs typeface="Arial"/>
-                <a:sym typeface="Arial"/>
+              <a:rPr lang="en-US" sz="2800" dirty="0">
+                <a:solidFill>
+                  <a:schemeClr val="dk1"/>
+                </a:solidFill>
               </a:rPr>
-              <a:t>Rmarkdown</a:t>
+              <a:t>Download Practice Data</a:t>
+            </a:r>
+          </a:p>
+          <a:p>
+            <a:pPr marL="285750" marR="0" lvl="0" indent="-285750" algn="l" rtl="0">
+              <a:spcBef>
+                <a:spcPts val="0"/>
+              </a:spcBef>
+              <a:spcAft>
+                <a:spcPts val="0"/>
+              </a:spcAft>
+              <a:buClr>
+                <a:schemeClr val="dk1"/>
+              </a:buClr>
+              <a:buSzPts val="2800"/>
+              <a:buFont typeface="Arial"/>
+              <a:buChar char="•"/>
+            </a:pPr>
+            <a:r>
+              <a:rPr lang="en-US" sz="2800" dirty="0">
+                <a:solidFill>
+                  <a:schemeClr val="dk1"/>
+                </a:solidFill>
+              </a:rPr>
+              <a:t>Overview of Work Flow</a:t>
             </a:r>
             <a:endParaRPr sz="2800" dirty="0">
               <a:solidFill>
@@ -13800,7 +16528,7 @@
           <a:p>
             <a:r>
               <a:rPr lang="en-US" dirty="0"/>
-              <a:t>Typical Booth Workflow</a:t>
+              <a:t>Download Data</a:t>
             </a:r>
           </a:p>
         </p:txBody>
@@ -13846,7 +16574,7 @@
     </p:spTree>
     <p:extLst>
       <p:ext uri="{BB962C8B-B14F-4D97-AF65-F5344CB8AC3E}">
-        <p14:creationId xmlns:p14="http://schemas.microsoft.com/office/powerpoint/2010/main" val="2449432299"/>
+        <p14:creationId xmlns:p14="http://schemas.microsoft.com/office/powerpoint/2010/main" val="3310217025"/>
       </p:ext>
     </p:extLst>
   </p:cSld>
@@ -13873,6 +16601,36 @@
           <a:chExt cx="0" cy="0"/>
         </a:xfrm>
       </p:grpSpPr>
+      <p:pic>
+        <p:nvPicPr>
+          <p:cNvPr id="3" name="Picture 2">
+            <a:extLst>
+              <a:ext uri="{FF2B5EF4-FFF2-40B4-BE49-F238E27FC236}">
+                <a16:creationId xmlns:a16="http://schemas.microsoft.com/office/drawing/2014/main" id="{BDEB23DB-D86F-46EC-9FAD-DBD81DE46E59}"/>
+              </a:ext>
+            </a:extLst>
+          </p:cNvPr>
+          <p:cNvPicPr>
+            <a:picLocks noChangeAspect="1"/>
+          </p:cNvPicPr>
+          <p:nvPr/>
+        </p:nvPicPr>
+        <p:blipFill>
+          <a:blip r:embed="rId3"/>
+          <a:stretch>
+            <a:fillRect/>
+          </a:stretch>
+        </p:blipFill>
+        <p:spPr>
+          <a:xfrm>
+            <a:off x="2070846" y="1631920"/>
+            <a:ext cx="5350809" cy="3867871"/>
+          </a:xfrm>
+          <a:prstGeom prst="rect">
+            <a:avLst/>
+          </a:prstGeom>
+        </p:spPr>
+      </p:pic>
       <p:sp>
         <p:nvSpPr>
           <p:cNvPr id="96" name="Shape 96"/>
@@ -13970,20 +16728,8 @@
                 <a:solidFill>
                   <a:srgbClr val="820009"/>
                 </a:solidFill>
-                <a:latin typeface="Arial"/>
-                <a:ea typeface="Arial"/>
-                <a:cs typeface="Arial"/>
-                <a:sym typeface="Arial"/>
               </a:rPr>
-              <a:t>B</a:t>
-            </a:r>
-            <a:r>
-              <a:rPr lang="en-US" sz="2400" b="1" dirty="0">
-                <a:solidFill>
-                  <a:srgbClr val="820009"/>
-                </a:solidFill>
-              </a:rPr>
-              <a:t>ooth Workflow</a:t>
+              <a:t>Navigate to the BAC Wiki</a:t>
             </a:r>
             <a:endParaRPr sz="2400" b="1" dirty="0">
               <a:solidFill>
@@ -14100,10 +16846,10 @@
       </p:graphicFrame>
       <p:sp>
         <p:nvSpPr>
-          <p:cNvPr id="13" name="TextBox 12">
+          <p:cNvPr id="7" name="TextBox 6">
             <a:extLst>
               <a:ext uri="{FF2B5EF4-FFF2-40B4-BE49-F238E27FC236}">
-                <a16:creationId xmlns:a16="http://schemas.microsoft.com/office/drawing/2014/main" id="{ACF42617-C7EF-4C36-BE92-38358AA79415}"/>
+                <a16:creationId xmlns:a16="http://schemas.microsoft.com/office/drawing/2014/main" id="{08632213-E1DB-4E3E-A327-973607EC3DED}"/>
               </a:ext>
             </a:extLst>
           </p:cNvPr>
@@ -14113,7 +16859,7 @@
         <p:spPr>
           <a:xfrm>
             <a:off x="473697" y="1017270"/>
-            <a:ext cx="7917083" cy="4247317"/>
+            <a:ext cx="7917083" cy="523220"/>
           </a:xfrm>
           <a:prstGeom prst="rect">
             <a:avLst/>
@@ -14126,77 +16872,77 @@
           </a:bodyPr>
           <a:lstStyle/>
           <a:p>
-            <a:pPr marL="514350" indent="-514350">
-              <a:buFont typeface="+mj-lt"/>
-              <a:buAutoNum type="arabicPeriod"/>
-            </a:pPr>
             <a:r>
-              <a:rPr lang="en-US" sz="3000" dirty="0"/>
-              <a:t>Read in data</a:t>
+              <a:rPr lang="en-US" dirty="0"/>
+              <a:t>First, we need to download the dataset that we are going to load into R and practice with. I’ve saved the .csv file to the Booth Analytics Club’s </a:t>
+            </a:r>
+            <a:r>
+              <a:rPr lang="en-US" dirty="0" err="1"/>
+              <a:t>github</a:t>
+            </a:r>
+            <a:r>
+              <a:rPr lang="en-US" dirty="0"/>
+              <a:t> page. Search “booth analytics club wiki”:</a:t>
             </a:r>
           </a:p>
+        </p:txBody>
+      </p:sp>
+      <p:sp>
+        <p:nvSpPr>
+          <p:cNvPr id="4" name="Rectangle 3">
+            <a:extLst>
+              <a:ext uri="{FF2B5EF4-FFF2-40B4-BE49-F238E27FC236}">
+                <a16:creationId xmlns:a16="http://schemas.microsoft.com/office/drawing/2014/main" id="{14C926DC-616E-4572-984D-1C48F041CFF0}"/>
+              </a:ext>
+            </a:extLst>
+          </p:cNvPr>
+          <p:cNvSpPr/>
+          <p:nvPr/>
+        </p:nvSpPr>
+        <p:spPr>
+          <a:xfrm>
+            <a:off x="2223247" y="3565855"/>
+            <a:ext cx="5011271" cy="817886"/>
+          </a:xfrm>
+          <a:prstGeom prst="rect">
+            <a:avLst/>
+          </a:prstGeom>
+          <a:noFill/>
+          <a:ln>
+            <a:solidFill>
+              <a:srgbClr val="FF0000"/>
+            </a:solidFill>
+          </a:ln>
+        </p:spPr>
+        <p:style>
+          <a:lnRef idx="2">
+            <a:schemeClr val="accent1">
+              <a:shade val="50000"/>
+            </a:schemeClr>
+          </a:lnRef>
+          <a:fillRef idx="1">
+            <a:schemeClr val="accent1"/>
+          </a:fillRef>
+          <a:effectRef idx="0">
+            <a:schemeClr val="accent1"/>
+          </a:effectRef>
+          <a:fontRef idx="minor">
+            <a:schemeClr val="lt1"/>
+          </a:fontRef>
+        </p:style>
+        <p:txBody>
+          <a:bodyPr rtlCol="0" anchor="ctr"/>
+          <a:lstStyle/>
           <a:p>
-            <a:pPr marL="514350" indent="-514350">
-              <a:buFont typeface="+mj-lt"/>
-              <a:buAutoNum type="arabicPeriod"/>
-            </a:pPr>
-            <a:r>
-              <a:rPr lang="en-US" sz="3000" dirty="0"/>
-              <a:t>Check data – List variables, their type, range, number of </a:t>
-            </a:r>
-            <a:r>
-              <a:rPr lang="en-US" sz="3000" dirty="0" err="1"/>
-              <a:t>missings</a:t>
-            </a:r>
-            <a:r>
-              <a:rPr lang="en-US" sz="3000" dirty="0"/>
-              <a:t>, plot distribution, descriptive statistics, etc.</a:t>
-            </a:r>
-          </a:p>
-          <a:p>
-            <a:pPr marL="514350" indent="-514350">
-              <a:buFont typeface="+mj-lt"/>
-              <a:buAutoNum type="arabicPeriod"/>
-            </a:pPr>
-            <a:r>
-              <a:rPr lang="en-US" sz="3000" dirty="0"/>
-              <a:t>Clean data – Resolve </a:t>
-            </a:r>
-            <a:r>
-              <a:rPr lang="en-US" sz="3000" dirty="0" err="1"/>
-              <a:t>missings</a:t>
-            </a:r>
-            <a:r>
-              <a:rPr lang="en-US" sz="3000" dirty="0"/>
-              <a:t>, transform variables, etc.</a:t>
-            </a:r>
-          </a:p>
-          <a:p>
-            <a:pPr marL="514350" indent="-514350">
-              <a:buFont typeface="+mj-lt"/>
-              <a:buAutoNum type="arabicPeriod"/>
-            </a:pPr>
-            <a:r>
-              <a:rPr lang="en-US" sz="3000" dirty="0"/>
-              <a:t>Test models – Check significance, residuals, goodness of fit, etc.</a:t>
-            </a:r>
-          </a:p>
-          <a:p>
-            <a:pPr marL="514350" indent="-514350">
-              <a:buFont typeface="+mj-lt"/>
-              <a:buAutoNum type="arabicPeriod"/>
-            </a:pPr>
-            <a:r>
-              <a:rPr lang="en-US" sz="3000" dirty="0"/>
-              <a:t>Visualize data</a:t>
-            </a:r>
+            <a:pPr algn="ctr"/>
+            <a:endParaRPr lang="en-US"/>
           </a:p>
         </p:txBody>
       </p:sp>
     </p:spTree>
     <p:extLst>
       <p:ext uri="{BB962C8B-B14F-4D97-AF65-F5344CB8AC3E}">
-        <p14:creationId xmlns:p14="http://schemas.microsoft.com/office/powerpoint/2010/main" val="3636573115"/>
+        <p14:creationId xmlns:p14="http://schemas.microsoft.com/office/powerpoint/2010/main" val="3752630031"/>
       </p:ext>
     </p:extLst>
   </p:cSld>
@@ -14306,6 +17052,344 @@
           </a:bodyPr>
           <a:lstStyle/>
           <a:p>
+            <a:pPr lvl="0"/>
+            <a:r>
+              <a:rPr lang="en-US" sz="2400" b="1" dirty="0">
+                <a:solidFill>
+                  <a:srgbClr val="820009"/>
+                </a:solidFill>
+              </a:rPr>
+              <a:t>Click “Site” at the Top of the Page</a:t>
+            </a:r>
+          </a:p>
+        </p:txBody>
+      </p:sp>
+      <p:graphicFrame>
+        <p:nvGraphicFramePr>
+          <p:cNvPr id="99" name="Shape 99"/>
+          <p:cNvGraphicFramePr/>
+          <p:nvPr/>
+        </p:nvGraphicFramePr>
+        <p:xfrm>
+          <a:off x="5623560" y="560070"/>
+          <a:ext cx="208300" cy="365770"/>
+        </p:xfrm>
+        <a:graphic>
+          <a:graphicData uri="http://schemas.openxmlformats.org/drawingml/2006/table">
+            <a:tbl>
+              <a:tblPr>
+                <a:noFill/>
+                <a:tableStyleId>{3E517AEF-C05D-40B9-8274-1AED4C133E0D}</a:tableStyleId>
+              </a:tblPr>
+              <a:tblGrid>
+                <a:gridCol w="208300">
+                  <a:extLst>
+                    <a:ext uri="{9D8B030D-6E8A-4147-A177-3AD203B41FA5}">
+                      <a16:colId xmlns:a16="http://schemas.microsoft.com/office/drawing/2014/main" val="20000"/>
+                    </a:ext>
+                  </a:extLst>
+                </a:gridCol>
+              </a:tblGrid>
+              <a:tr h="0">
+                <a:tc>
+                  <a:txBody>
+                    <a:bodyPr/>
+                    <a:lstStyle/>
+                    <a:p>
+                      <a:pPr marL="0" marR="0" lvl="0" indent="0" algn="l" rtl="0">
+                        <a:spcBef>
+                          <a:spcPts val="0"/>
+                        </a:spcBef>
+                        <a:spcAft>
+                          <a:spcPts val="0"/>
+                        </a:spcAft>
+                        <a:buNone/>
+                      </a:pPr>
+                      <a:endParaRPr sz="1800"/>
+                    </a:p>
+                  </a:txBody>
+                  <a:tcPr marL="91450" marR="91450" marT="45725" marB="45725">
+                    <a:lnL w="9525" cap="flat" cmpd="sng">
+                      <a:solidFill>
+                        <a:srgbClr val="000000">
+                          <a:alpha val="0"/>
+                        </a:srgbClr>
+                      </a:solidFill>
+                      <a:prstDash val="solid"/>
+                      <a:round/>
+                      <a:headEnd type="none" w="sm" len="sm"/>
+                      <a:tailEnd type="none" w="sm" len="sm"/>
+                    </a:lnL>
+                    <a:lnR w="9525" cap="flat" cmpd="sng">
+                      <a:solidFill>
+                        <a:srgbClr val="000000">
+                          <a:alpha val="0"/>
+                        </a:srgbClr>
+                      </a:solidFill>
+                      <a:prstDash val="solid"/>
+                      <a:round/>
+                      <a:headEnd type="none" w="sm" len="sm"/>
+                      <a:tailEnd type="none" w="sm" len="sm"/>
+                    </a:lnR>
+                    <a:lnT w="9525" cap="flat" cmpd="sng">
+                      <a:solidFill>
+                        <a:srgbClr val="000000">
+                          <a:alpha val="0"/>
+                        </a:srgbClr>
+                      </a:solidFill>
+                      <a:prstDash val="solid"/>
+                      <a:round/>
+                      <a:headEnd type="none" w="sm" len="sm"/>
+                      <a:tailEnd type="none" w="sm" len="sm"/>
+                    </a:lnT>
+                    <a:lnB w="9525" cap="flat" cmpd="sng">
+                      <a:solidFill>
+                        <a:srgbClr val="000000">
+                          <a:alpha val="0"/>
+                        </a:srgbClr>
+                      </a:solidFill>
+                      <a:prstDash val="solid"/>
+                      <a:round/>
+                      <a:headEnd type="none" w="sm" len="sm"/>
+                      <a:tailEnd type="none" w="sm" len="sm"/>
+                    </a:lnB>
+                  </a:tcPr>
+                </a:tc>
+                <a:extLst>
+                  <a:ext uri="{0D108BD9-81ED-4DB2-BD59-A6C34878D82A}">
+                    <a16:rowId xmlns:a16="http://schemas.microsoft.com/office/drawing/2014/main" val="10000"/>
+                  </a:ext>
+                </a:extLst>
+              </a:tr>
+            </a:tbl>
+          </a:graphicData>
+        </a:graphic>
+      </p:graphicFrame>
+      <p:pic>
+        <p:nvPicPr>
+          <p:cNvPr id="5" name="Picture 4">
+            <a:extLst>
+              <a:ext uri="{FF2B5EF4-FFF2-40B4-BE49-F238E27FC236}">
+                <a16:creationId xmlns:a16="http://schemas.microsoft.com/office/drawing/2014/main" id="{79921952-65E0-4BEC-9983-A230803F37B6}"/>
+              </a:ext>
+            </a:extLst>
+          </p:cNvPr>
+          <p:cNvPicPr>
+            <a:picLocks noChangeAspect="1"/>
+          </p:cNvPicPr>
+          <p:nvPr/>
+        </p:nvPicPr>
+        <p:blipFill>
+          <a:blip r:embed="rId3"/>
+          <a:stretch>
+            <a:fillRect/>
+          </a:stretch>
+        </p:blipFill>
+        <p:spPr>
+          <a:xfrm>
+            <a:off x="1407181" y="1167665"/>
+            <a:ext cx="6329638" cy="4517719"/>
+          </a:xfrm>
+          <a:prstGeom prst="rect">
+            <a:avLst/>
+          </a:prstGeom>
+        </p:spPr>
+      </p:pic>
+      <p:sp>
+        <p:nvSpPr>
+          <p:cNvPr id="10" name="Rectangle 9">
+            <a:extLst>
+              <a:ext uri="{FF2B5EF4-FFF2-40B4-BE49-F238E27FC236}">
+                <a16:creationId xmlns:a16="http://schemas.microsoft.com/office/drawing/2014/main" id="{A867970A-1AAC-4314-888F-6D093452571B}"/>
+              </a:ext>
+            </a:extLst>
+          </p:cNvPr>
+          <p:cNvSpPr/>
+          <p:nvPr/>
+        </p:nvSpPr>
+        <p:spPr>
+          <a:xfrm>
+            <a:off x="2734514" y="1167665"/>
+            <a:ext cx="223840" cy="171703"/>
+          </a:xfrm>
+          <a:prstGeom prst="rect">
+            <a:avLst/>
+          </a:prstGeom>
+          <a:noFill/>
+          <a:ln>
+            <a:solidFill>
+              <a:srgbClr val="FF0000"/>
+            </a:solidFill>
+          </a:ln>
+        </p:spPr>
+        <p:style>
+          <a:lnRef idx="2">
+            <a:schemeClr val="accent1">
+              <a:shade val="50000"/>
+            </a:schemeClr>
+          </a:lnRef>
+          <a:fillRef idx="1">
+            <a:schemeClr val="accent1"/>
+          </a:fillRef>
+          <a:effectRef idx="0">
+            <a:schemeClr val="accent1"/>
+          </a:effectRef>
+          <a:fontRef idx="minor">
+            <a:schemeClr val="lt1"/>
+          </a:fontRef>
+        </p:style>
+        <p:txBody>
+          <a:bodyPr rtlCol="0" anchor="ctr"/>
+          <a:lstStyle/>
+          <a:p>
+            <a:pPr algn="ctr"/>
+            <a:endParaRPr lang="en-US"/>
+          </a:p>
+        </p:txBody>
+      </p:sp>
+    </p:spTree>
+    <p:extLst>
+      <p:ext uri="{BB962C8B-B14F-4D97-AF65-F5344CB8AC3E}">
+        <p14:creationId xmlns:p14="http://schemas.microsoft.com/office/powerpoint/2010/main" val="838711358"/>
+      </p:ext>
+    </p:extLst>
+  </p:cSld>
+  <p:clrMapOvr>
+    <a:masterClrMapping/>
+  </p:clrMapOvr>
+</p:sld>
+</file>
+
+<file path=ppt/slides/slide9.xml><?xml version="1.0" encoding="utf-8"?>
+<p:sld xmlns:a="http://schemas.openxmlformats.org/drawingml/2006/main" xmlns:r="http://schemas.openxmlformats.org/officeDocument/2006/relationships" xmlns:p="http://schemas.openxmlformats.org/presentationml/2006/main">
+  <p:cSld>
+    <p:spTree>
+      <p:nvGrpSpPr>
+        <p:cNvPr id="1" name="Shape 95"/>
+        <p:cNvGrpSpPr/>
+        <p:nvPr/>
+      </p:nvGrpSpPr>
+      <p:grpSpPr>
+        <a:xfrm>
+          <a:off x="0" y="0"/>
+          <a:ext cx="0" cy="0"/>
+          <a:chOff x="0" y="0"/>
+          <a:chExt cx="0" cy="0"/>
+        </a:xfrm>
+      </p:grpSpPr>
+      <p:pic>
+        <p:nvPicPr>
+          <p:cNvPr id="2" name="Picture 1">
+            <a:extLst>
+              <a:ext uri="{FF2B5EF4-FFF2-40B4-BE49-F238E27FC236}">
+                <a16:creationId xmlns:a16="http://schemas.microsoft.com/office/drawing/2014/main" id="{773C5477-C5EC-4256-A8B7-027968CBEF73}"/>
+              </a:ext>
+            </a:extLst>
+          </p:cNvPr>
+          <p:cNvPicPr>
+            <a:picLocks noChangeAspect="1"/>
+          </p:cNvPicPr>
+          <p:nvPr/>
+        </p:nvPicPr>
+        <p:blipFill>
+          <a:blip r:embed="rId3"/>
+          <a:stretch>
+            <a:fillRect/>
+          </a:stretch>
+        </p:blipFill>
+        <p:spPr>
+          <a:xfrm>
+            <a:off x="708212" y="2197023"/>
+            <a:ext cx="7727576" cy="2596466"/>
+          </a:xfrm>
+          <a:prstGeom prst="rect">
+            <a:avLst/>
+          </a:prstGeom>
+        </p:spPr>
+      </p:pic>
+      <p:sp>
+        <p:nvSpPr>
+          <p:cNvPr id="96" name="Shape 96"/>
+          <p:cNvSpPr txBox="1"/>
+          <p:nvPr/>
+        </p:nvSpPr>
+        <p:spPr>
+          <a:xfrm>
+            <a:off x="4343400" y="6172200"/>
+            <a:ext cx="457200" cy="457200"/>
+          </a:xfrm>
+          <a:prstGeom prst="rect">
+            <a:avLst/>
+          </a:prstGeom>
+          <a:noFill/>
+          <a:ln>
+            <a:noFill/>
+          </a:ln>
+        </p:spPr>
+        <p:txBody>
+          <a:bodyPr spcFirstLastPara="1" wrap="square" lIns="91425" tIns="45700" rIns="91425" bIns="45700" anchor="t" anchorCtr="0">
+            <a:noAutofit/>
+          </a:bodyPr>
+          <a:lstStyle/>
+          <a:p>
+            <a:pPr marL="0" marR="0" lvl="0" indent="0" algn="ctr" rtl="0">
+              <a:spcBef>
+                <a:spcPts val="0"/>
+              </a:spcBef>
+              <a:spcAft>
+                <a:spcPts val="0"/>
+              </a:spcAft>
+              <a:buNone/>
+            </a:pPr>
+            <a:fld id="{00000000-1234-1234-1234-123412341234}" type="slidenum">
+              <a:rPr lang="en-US" sz="1000">
+                <a:solidFill>
+                  <a:schemeClr val="dk1"/>
+                </a:solidFill>
+                <a:latin typeface="Arial"/>
+                <a:ea typeface="Arial"/>
+                <a:cs typeface="Arial"/>
+                <a:sym typeface="Arial"/>
+              </a:rPr>
+              <a:t>9</a:t>
+            </a:fld>
+            <a:endParaRPr sz="1000">
+              <a:solidFill>
+                <a:schemeClr val="dk1"/>
+              </a:solidFill>
+              <a:latin typeface="Arial"/>
+              <a:ea typeface="Arial"/>
+              <a:cs typeface="Arial"/>
+              <a:sym typeface="Arial"/>
+            </a:endParaRPr>
+          </a:p>
+        </p:txBody>
+      </p:sp>
+      <p:sp>
+        <p:nvSpPr>
+          <p:cNvPr id="97" name="Shape 97"/>
+          <p:cNvSpPr txBox="1"/>
+          <p:nvPr/>
+        </p:nvSpPr>
+        <p:spPr>
+          <a:xfrm>
+            <a:off x="381000" y="223650"/>
+            <a:ext cx="8382000" cy="457200"/>
+          </a:xfrm>
+          <a:prstGeom prst="rect">
+            <a:avLst/>
+          </a:prstGeom>
+          <a:noFill/>
+          <a:ln>
+            <a:noFill/>
+          </a:ln>
+        </p:spPr>
+        <p:txBody>
+          <a:bodyPr spcFirstLastPara="1" wrap="square" lIns="91425" tIns="45700" rIns="91425" bIns="45700" anchor="t" anchorCtr="0">
+            <a:noAutofit/>
+          </a:bodyPr>
+          <a:lstStyle/>
+          <a:p>
             <a:pPr marL="0" marR="0" lvl="0" indent="0" algn="l" rtl="0">
               <a:spcBef>
                 <a:spcPts val="0"/>
@@ -14321,7 +17405,23 @@
                   <a:srgbClr val="820009"/>
                 </a:solidFill>
               </a:rPr>
-              <a:t>Loading .csv Files into R</a:t>
+              <a:t>Open the ‘</a:t>
+            </a:r>
+            <a:r>
+              <a:rPr lang="en-US" sz="2400" b="1" dirty="0" err="1">
+                <a:solidFill>
+                  <a:srgbClr val="820009"/>
+                </a:solidFill>
+              </a:rPr>
+              <a:t>zzz</a:t>
+            </a:r>
+            <a:r>
+              <a:rPr lang="en-US" sz="2400" b="1" dirty="0">
+                <a:solidFill>
+                  <a:srgbClr val="820009"/>
+                </a:solidFill>
+              </a:rPr>
+              <a:t> MEDIA’ Folder</a:t>
             </a:r>
             <a:endParaRPr sz="2400" b="1" dirty="0">
               <a:solidFill>
@@ -14438,420 +17538,60 @@
       </p:graphicFrame>
       <p:sp>
         <p:nvSpPr>
-          <p:cNvPr id="5" name="TextBox 4">
+          <p:cNvPr id="10" name="Rectangle 9">
             <a:extLst>
               <a:ext uri="{FF2B5EF4-FFF2-40B4-BE49-F238E27FC236}">
-                <a16:creationId xmlns:a16="http://schemas.microsoft.com/office/drawing/2014/main" id="{85D8BDF1-8B90-4D96-9626-7B5FD2A2A88D}"/>
+                <a16:creationId xmlns:a16="http://schemas.microsoft.com/office/drawing/2014/main" id="{A867970A-1AAC-4314-888F-6D093452571B}"/>
               </a:ext>
             </a:extLst>
           </p:cNvPr>
-          <p:cNvSpPr txBox="1"/>
+          <p:cNvSpPr/>
           <p:nvPr/>
         </p:nvSpPr>
         <p:spPr>
           <a:xfrm>
-            <a:off x="384858" y="1062893"/>
-            <a:ext cx="7917083" cy="1015663"/>
-          </a:xfrm>
-          <a:prstGeom prst="rect">
-            <a:avLst/>
-          </a:prstGeom>
-          <a:noFill/>
-        </p:spPr>
-        <p:txBody>
-          <a:bodyPr wrap="square" rtlCol="0">
-            <a:spAutoFit/>
-          </a:bodyPr>
-          <a:lstStyle/>
-          <a:p>
-            <a:r>
-              <a:rPr lang="en-US" sz="2000" dirty="0"/>
-              <a:t>In your classes, you will be asked to read in data from .csv files. This is done using the read.csv() function. Note that </a:t>
-            </a:r>
-            <a:r>
-              <a:rPr lang="en-US" sz="2000" dirty="0" err="1"/>
-              <a:t>filepaths</a:t>
-            </a:r>
-            <a:r>
-              <a:rPr lang="en-US" sz="2000" dirty="0"/>
-              <a:t> require two “\” symbols in Windows! In mac use just one “/”</a:t>
-            </a:r>
-          </a:p>
-        </p:txBody>
-      </p:sp>
-      <p:pic>
-        <p:nvPicPr>
-          <p:cNvPr id="2" name="Picture 1">
-            <a:extLst>
-              <a:ext uri="{FF2B5EF4-FFF2-40B4-BE49-F238E27FC236}">
-                <a16:creationId xmlns:a16="http://schemas.microsoft.com/office/drawing/2014/main" id="{159B321E-4B76-478F-8918-978D37383010}"/>
-              </a:ext>
-            </a:extLst>
-          </p:cNvPr>
-          <p:cNvPicPr>
-            <a:picLocks noChangeAspect="1"/>
-          </p:cNvPicPr>
-          <p:nvPr/>
-        </p:nvPicPr>
-        <p:blipFill rotWithShape="1">
-          <a:blip r:embed="rId3"/>
-          <a:srcRect b="33112"/>
-          <a:stretch/>
-        </p:blipFill>
-        <p:spPr>
-          <a:xfrm>
-            <a:off x="1148715" y="2367901"/>
-            <a:ext cx="6846570" cy="2952996"/>
-          </a:xfrm>
-          <a:prstGeom prst="rect">
-            <a:avLst/>
-          </a:prstGeom>
-        </p:spPr>
-      </p:pic>
-    </p:spTree>
-    <p:extLst>
-      <p:ext uri="{BB962C8B-B14F-4D97-AF65-F5344CB8AC3E}">
-        <p14:creationId xmlns:p14="http://schemas.microsoft.com/office/powerpoint/2010/main" val="23021290"/>
-      </p:ext>
-    </p:extLst>
-  </p:cSld>
-  <p:clrMapOvr>
-    <a:masterClrMapping/>
-  </p:clrMapOvr>
-</p:sld>
-</file>
-
-<file path=ppt/slides/slide9.xml><?xml version="1.0" encoding="utf-8"?>
-<p:sld xmlns:a="http://schemas.openxmlformats.org/drawingml/2006/main" xmlns:r="http://schemas.openxmlformats.org/officeDocument/2006/relationships" xmlns:p="http://schemas.openxmlformats.org/presentationml/2006/main">
-  <p:cSld>
-    <p:spTree>
-      <p:nvGrpSpPr>
-        <p:cNvPr id="1" name="Shape 95"/>
-        <p:cNvGrpSpPr/>
-        <p:nvPr/>
-      </p:nvGrpSpPr>
-      <p:grpSpPr>
-        <a:xfrm>
-          <a:off x="0" y="0"/>
-          <a:ext cx="0" cy="0"/>
-          <a:chOff x="0" y="0"/>
-          <a:chExt cx="0" cy="0"/>
-        </a:xfrm>
-      </p:grpSpPr>
-      <p:sp>
-        <p:nvSpPr>
-          <p:cNvPr id="96" name="Shape 96"/>
-          <p:cNvSpPr txBox="1"/>
-          <p:nvPr/>
-        </p:nvSpPr>
-        <p:spPr>
-          <a:xfrm>
-            <a:off x="4343400" y="6172200"/>
-            <a:ext cx="457200" cy="457200"/>
+            <a:off x="770965" y="3863788"/>
+            <a:ext cx="770963" cy="254010"/>
           </a:xfrm>
           <a:prstGeom prst="rect">
             <a:avLst/>
           </a:prstGeom>
           <a:noFill/>
           <a:ln>
-            <a:noFill/>
+            <a:solidFill>
+              <a:srgbClr val="FF0000"/>
+            </a:solidFill>
           </a:ln>
         </p:spPr>
+        <p:style>
+          <a:lnRef idx="2">
+            <a:schemeClr val="accent1">
+              <a:shade val="50000"/>
+            </a:schemeClr>
+          </a:lnRef>
+          <a:fillRef idx="1">
+            <a:schemeClr val="accent1"/>
+          </a:fillRef>
+          <a:effectRef idx="0">
+            <a:schemeClr val="accent1"/>
+          </a:effectRef>
+          <a:fontRef idx="minor">
+            <a:schemeClr val="lt1"/>
+          </a:fontRef>
+        </p:style>
         <p:txBody>
-          <a:bodyPr spcFirstLastPara="1" wrap="square" lIns="91425" tIns="45700" rIns="91425" bIns="45700" anchor="t" anchorCtr="0">
-            <a:noAutofit/>
-          </a:bodyPr>
+          <a:bodyPr rtlCol="0" anchor="ctr"/>
           <a:lstStyle/>
           <a:p>
-            <a:pPr marL="0" marR="0" lvl="0" indent="0" algn="ctr" rtl="0">
-              <a:spcBef>
-                <a:spcPts val="0"/>
-              </a:spcBef>
-              <a:spcAft>
-                <a:spcPts val="0"/>
-              </a:spcAft>
-              <a:buNone/>
-            </a:pPr>
-            <a:fld id="{00000000-1234-1234-1234-123412341234}" type="slidenum">
-              <a:rPr lang="en-US" sz="1000">
-                <a:solidFill>
-                  <a:schemeClr val="dk1"/>
-                </a:solidFill>
-                <a:latin typeface="Arial"/>
-                <a:ea typeface="Arial"/>
-                <a:cs typeface="Arial"/>
-                <a:sym typeface="Arial"/>
-              </a:rPr>
-              <a:t>9</a:t>
-            </a:fld>
-            <a:endParaRPr sz="1000">
-              <a:solidFill>
-                <a:schemeClr val="dk1"/>
-              </a:solidFill>
-              <a:latin typeface="Arial"/>
-              <a:ea typeface="Arial"/>
-              <a:cs typeface="Arial"/>
-              <a:sym typeface="Arial"/>
-            </a:endParaRPr>
-          </a:p>
-        </p:txBody>
-      </p:sp>
-      <p:sp>
-        <p:nvSpPr>
-          <p:cNvPr id="97" name="Shape 97"/>
-          <p:cNvSpPr txBox="1"/>
-          <p:nvPr/>
-        </p:nvSpPr>
-        <p:spPr>
-          <a:xfrm>
-            <a:off x="381000" y="223650"/>
-            <a:ext cx="8382000" cy="457200"/>
-          </a:xfrm>
-          <a:prstGeom prst="rect">
-            <a:avLst/>
-          </a:prstGeom>
-          <a:noFill/>
-          <a:ln>
-            <a:noFill/>
-          </a:ln>
-        </p:spPr>
-        <p:txBody>
-          <a:bodyPr spcFirstLastPara="1" wrap="square" lIns="91425" tIns="45700" rIns="91425" bIns="45700" anchor="t" anchorCtr="0">
-            <a:noAutofit/>
-          </a:bodyPr>
-          <a:lstStyle/>
-          <a:p>
-            <a:pPr marL="0" marR="0" lvl="0" indent="0" algn="l" rtl="0">
-              <a:spcBef>
-                <a:spcPts val="0"/>
-              </a:spcBef>
-              <a:spcAft>
-                <a:spcPts val="0"/>
-              </a:spcAft>
-              <a:buNone/>
-            </a:pPr>
-            <a:r>
-              <a:rPr lang="en-US" sz="2400" b="1" dirty="0">
-                <a:solidFill>
-                  <a:srgbClr val="820009"/>
-                </a:solidFill>
-                <a:latin typeface="Arial"/>
-                <a:ea typeface="Arial"/>
-                <a:cs typeface="Arial"/>
-                <a:sym typeface="Arial"/>
-              </a:rPr>
-              <a:t>More Resources</a:t>
-            </a:r>
-            <a:endParaRPr sz="2400" b="1" dirty="0">
-              <a:solidFill>
-                <a:srgbClr val="820009"/>
-              </a:solidFill>
-              <a:latin typeface="Arial"/>
-              <a:ea typeface="Arial"/>
-              <a:cs typeface="Arial"/>
-              <a:sym typeface="Arial"/>
-            </a:endParaRPr>
-          </a:p>
-        </p:txBody>
-      </p:sp>
-      <p:graphicFrame>
-        <p:nvGraphicFramePr>
-          <p:cNvPr id="99" name="Shape 99"/>
-          <p:cNvGraphicFramePr/>
-          <p:nvPr/>
-        </p:nvGraphicFramePr>
-        <p:xfrm>
-          <a:off x="5623560" y="560070"/>
-          <a:ext cx="208300" cy="365770"/>
-        </p:xfrm>
-        <a:graphic>
-          <a:graphicData uri="http://schemas.openxmlformats.org/drawingml/2006/table">
-            <a:tbl>
-              <a:tblPr>
-                <a:noFill/>
-                <a:tableStyleId>{3E517AEF-C05D-40B9-8274-1AED4C133E0D}</a:tableStyleId>
-              </a:tblPr>
-              <a:tblGrid>
-                <a:gridCol w="208300">
-                  <a:extLst>
-                    <a:ext uri="{9D8B030D-6E8A-4147-A177-3AD203B41FA5}">
-                      <a16:colId xmlns:a16="http://schemas.microsoft.com/office/drawing/2014/main" val="20000"/>
-                    </a:ext>
-                  </a:extLst>
-                </a:gridCol>
-              </a:tblGrid>
-              <a:tr h="0">
-                <a:tc>
-                  <a:txBody>
-                    <a:bodyPr/>
-                    <a:lstStyle/>
-                    <a:p>
-                      <a:pPr marL="0" marR="0" lvl="0" indent="0" algn="l" rtl="0">
-                        <a:spcBef>
-                          <a:spcPts val="0"/>
-                        </a:spcBef>
-                        <a:spcAft>
-                          <a:spcPts val="0"/>
-                        </a:spcAft>
-                        <a:buNone/>
-                      </a:pPr>
-                      <a:endParaRPr sz="1800"/>
-                    </a:p>
-                  </a:txBody>
-                  <a:tcPr marL="91450" marR="91450" marT="45725" marB="45725">
-                    <a:lnL w="9525" cap="flat" cmpd="sng">
-                      <a:solidFill>
-                        <a:srgbClr val="000000">
-                          <a:alpha val="0"/>
-                        </a:srgbClr>
-                      </a:solidFill>
-                      <a:prstDash val="solid"/>
-                      <a:round/>
-                      <a:headEnd type="none" w="sm" len="sm"/>
-                      <a:tailEnd type="none" w="sm" len="sm"/>
-                    </a:lnL>
-                    <a:lnR w="9525" cap="flat" cmpd="sng">
-                      <a:solidFill>
-                        <a:srgbClr val="000000">
-                          <a:alpha val="0"/>
-                        </a:srgbClr>
-                      </a:solidFill>
-                      <a:prstDash val="solid"/>
-                      <a:round/>
-                      <a:headEnd type="none" w="sm" len="sm"/>
-                      <a:tailEnd type="none" w="sm" len="sm"/>
-                    </a:lnR>
-                    <a:lnT w="9525" cap="flat" cmpd="sng">
-                      <a:solidFill>
-                        <a:srgbClr val="000000">
-                          <a:alpha val="0"/>
-                        </a:srgbClr>
-                      </a:solidFill>
-                      <a:prstDash val="solid"/>
-                      <a:round/>
-                      <a:headEnd type="none" w="sm" len="sm"/>
-                      <a:tailEnd type="none" w="sm" len="sm"/>
-                    </a:lnT>
-                    <a:lnB w="9525" cap="flat" cmpd="sng">
-                      <a:solidFill>
-                        <a:srgbClr val="000000">
-                          <a:alpha val="0"/>
-                        </a:srgbClr>
-                      </a:solidFill>
-                      <a:prstDash val="solid"/>
-                      <a:round/>
-                      <a:headEnd type="none" w="sm" len="sm"/>
-                      <a:tailEnd type="none" w="sm" len="sm"/>
-                    </a:lnB>
-                  </a:tcPr>
-                </a:tc>
-                <a:extLst>
-                  <a:ext uri="{0D108BD9-81ED-4DB2-BD59-A6C34878D82A}">
-                    <a16:rowId xmlns:a16="http://schemas.microsoft.com/office/drawing/2014/main" val="10000"/>
-                  </a:ext>
-                </a:extLst>
-              </a:tr>
-            </a:tbl>
-          </a:graphicData>
-        </a:graphic>
-      </p:graphicFrame>
-      <p:sp>
-        <p:nvSpPr>
-          <p:cNvPr id="9" name="TextBox 8">
-            <a:extLst>
-              <a:ext uri="{FF2B5EF4-FFF2-40B4-BE49-F238E27FC236}">
-                <a16:creationId xmlns:a16="http://schemas.microsoft.com/office/drawing/2014/main" id="{F4DF7DD2-3D15-41B5-BBF8-410230F9B214}"/>
-              </a:ext>
-            </a:extLst>
-          </p:cNvPr>
-          <p:cNvSpPr txBox="1"/>
-          <p:nvPr/>
-        </p:nvSpPr>
-        <p:spPr>
-          <a:xfrm>
-            <a:off x="384858" y="1290704"/>
-            <a:ext cx="7917083" cy="3785652"/>
-          </a:xfrm>
-          <a:prstGeom prst="rect">
-            <a:avLst/>
-          </a:prstGeom>
-          <a:noFill/>
-        </p:spPr>
-        <p:txBody>
-          <a:bodyPr wrap="square" rtlCol="0">
-            <a:spAutoFit/>
-          </a:bodyPr>
-          <a:lstStyle/>
-          <a:p>
-            <a:r>
-              <a:rPr lang="en-US" sz="3000" dirty="0">
-                <a:hlinkClick r:id="rId3"/>
-              </a:rPr>
-              <a:t>https://www.rstudio.com/resources/cheatsheets/</a:t>
-            </a:r>
-          </a:p>
-          <a:p>
-            <a:r>
-              <a:rPr lang="en-US" sz="3000" dirty="0">
-                <a:hlinkClick r:id="rId3"/>
-              </a:rPr>
-              <a:t>https://swirlstats.com/</a:t>
-            </a:r>
-            <a:endParaRPr lang="en-US" sz="3000" dirty="0"/>
-          </a:p>
-          <a:p>
-            <a:r>
-              <a:rPr lang="en-US" sz="3000" dirty="0">
-                <a:hlinkClick r:id="rId4"/>
-              </a:rPr>
-              <a:t>https://www.datacamp.com/</a:t>
-            </a:r>
-            <a:endParaRPr lang="en-US" sz="3000" dirty="0"/>
-          </a:p>
-          <a:p>
-            <a:r>
-              <a:rPr lang="en-US" sz="3000" dirty="0">
-                <a:hlinkClick r:id="rId5"/>
-              </a:rPr>
-              <a:t>http://tryr.codeschool.com/</a:t>
-            </a:r>
-            <a:r>
-              <a:rPr lang="en-US" sz="3000" dirty="0"/>
-              <a:t> </a:t>
-            </a:r>
-          </a:p>
-          <a:p>
-            <a:endParaRPr lang="en-US" sz="3000" dirty="0"/>
-          </a:p>
-          <a:p>
-            <a:r>
-              <a:rPr lang="en-US" sz="3000" dirty="0"/>
-              <a:t>Or just ask! </a:t>
-            </a:r>
-            <a:r>
-              <a:rPr lang="en-US" sz="3000" dirty="0">
-                <a:hlinkClick r:id="rId6"/>
-              </a:rPr>
-              <a:t>jmejiare@chicagobooth.edu</a:t>
-            </a:r>
-            <a:r>
-              <a:rPr lang="en-US" sz="3000" dirty="0"/>
-              <a:t> or </a:t>
-            </a:r>
-            <a:r>
-              <a:rPr lang="en-US" sz="3000" dirty="0">
-                <a:hlinkClick r:id="rId7"/>
-              </a:rPr>
-              <a:t>jmckee0@chicagobooth.edu</a:t>
-            </a:r>
-            <a:endParaRPr lang="en-US" sz="3000" dirty="0"/>
+            <a:pPr algn="ctr"/>
+            <a:endParaRPr lang="en-US"/>
           </a:p>
         </p:txBody>
       </p:sp>
     </p:spTree>
     <p:extLst>
       <p:ext uri="{BB962C8B-B14F-4D97-AF65-F5344CB8AC3E}">
-        <p14:creationId xmlns:p14="http://schemas.microsoft.com/office/powerpoint/2010/main" val="690798502"/>
+        <p14:creationId xmlns:p14="http://schemas.microsoft.com/office/powerpoint/2010/main" val="4279728622"/>
       </p:ext>
     </p:extLst>
   </p:cSld>
